--- a/DAMAS.pptx
+++ b/DAMAS.pptx
@@ -11,9 +11,9 @@
     <p:sldId id="260" r:id="rId5"/>
     <p:sldId id="261" r:id="rId6"/>
     <p:sldId id="262" r:id="rId7"/>
-    <p:sldId id="257" r:id="rId8"/>
+    <p:sldId id="267" r:id="rId8"/>
     <p:sldId id="263" r:id="rId9"/>
-    <p:sldId id="264" r:id="rId10"/>
+    <p:sldId id="266" r:id="rId10"/>
     <p:sldId id="265" r:id="rId11"/>
   </p:sldIdLst>
   <p:sldSz cx="12192000" cy="6858000"/>
@@ -7109,61 +7109,423 @@
       </p:grpSpPr>
       <p:sp>
         <p:nvSpPr>
-          <p:cNvPr id="2" name="タイトル 1">
-            <a:extLst>
-              <a:ext uri="{FF2B5EF4-FFF2-40B4-BE49-F238E27FC236}">
-                <a16:creationId xmlns:a16="http://schemas.microsoft.com/office/drawing/2014/main" id="{00592BFA-0E14-4565-BF12-35E76E1BA10C}"/>
-              </a:ext>
-            </a:extLst>
-          </p:cNvPr>
-          <p:cNvSpPr>
-            <a:spLocks noGrp="1"/>
-          </p:cNvSpPr>
-          <p:nvPr>
-            <p:ph type="title"/>
-          </p:nvPr>
-        </p:nvSpPr>
-        <p:spPr/>
-        <p:txBody>
-          <a:bodyPr/>
-          <a:lstStyle/>
-          <a:p>
-            <a:r>
-              <a:rPr kumimoji="1" lang="ja-JP" altLang="en-US" dirty="0"/>
+          <p:cNvPr id="4" name="四角形: 角を丸くする 3">
+            <a:extLst>
+              <a:ext uri="{FF2B5EF4-FFF2-40B4-BE49-F238E27FC236}">
+                <a16:creationId xmlns:a16="http://schemas.microsoft.com/office/drawing/2014/main" id="{C52FB10A-2CB6-4B55-966E-DD1E4D2E2494}"/>
+              </a:ext>
+            </a:extLst>
+          </p:cNvPr>
+          <p:cNvSpPr/>
+          <p:nvPr/>
+        </p:nvSpPr>
+        <p:spPr>
+          <a:xfrm>
+            <a:off x="104774" y="4623167"/>
+            <a:ext cx="4801314" cy="1282643"/>
+          </a:xfrm>
+          <a:prstGeom prst="roundRect">
+            <a:avLst/>
+          </a:prstGeom>
+          <a:ln/>
+        </p:spPr>
+        <p:style>
+          <a:lnRef idx="2">
+            <a:schemeClr val="dk1"/>
+          </a:lnRef>
+          <a:fillRef idx="1">
+            <a:schemeClr val="lt1"/>
+          </a:fillRef>
+          <a:effectRef idx="0">
+            <a:schemeClr val="dk1"/>
+          </a:effectRef>
+          <a:fontRef idx="minor">
+            <a:schemeClr val="dk1"/>
+          </a:fontRef>
+        </p:style>
+        <p:txBody>
+          <a:bodyPr rtlCol="0" anchor="ctr"/>
+          <a:lstStyle/>
+          <a:p>
+            <a:pPr algn="ctr"/>
+            <a:endParaRPr kumimoji="1" lang="ja-JP" altLang="en-US"/>
+          </a:p>
+        </p:txBody>
+      </p:sp>
+      <p:sp>
+        <p:nvSpPr>
+          <p:cNvPr id="5" name="四角形: 角を丸くする 4">
+            <a:extLst>
+              <a:ext uri="{FF2B5EF4-FFF2-40B4-BE49-F238E27FC236}">
+                <a16:creationId xmlns:a16="http://schemas.microsoft.com/office/drawing/2014/main" id="{E597758F-6D37-4A6C-BF4E-ED7DCC2EF0D5}"/>
+              </a:ext>
+            </a:extLst>
+          </p:cNvPr>
+          <p:cNvSpPr/>
+          <p:nvPr/>
+        </p:nvSpPr>
+        <p:spPr>
+          <a:xfrm>
+            <a:off x="104774" y="1348054"/>
+            <a:ext cx="4801314" cy="1282643"/>
+          </a:xfrm>
+          <a:prstGeom prst="roundRect">
+            <a:avLst/>
+          </a:prstGeom>
+          <a:ln/>
+        </p:spPr>
+        <p:style>
+          <a:lnRef idx="2">
+            <a:schemeClr val="dk1"/>
+          </a:lnRef>
+          <a:fillRef idx="1">
+            <a:schemeClr val="lt1"/>
+          </a:fillRef>
+          <a:effectRef idx="0">
+            <a:schemeClr val="dk1"/>
+          </a:effectRef>
+          <a:fontRef idx="minor">
+            <a:schemeClr val="dk1"/>
+          </a:fontRef>
+        </p:style>
+        <p:txBody>
+          <a:bodyPr rtlCol="0" anchor="ctr"/>
+          <a:lstStyle/>
+          <a:p>
+            <a:pPr algn="ctr"/>
+            <a:endParaRPr kumimoji="1" lang="ja-JP" altLang="en-US"/>
+          </a:p>
+        </p:txBody>
+      </p:sp>
+      <p:sp>
+        <p:nvSpPr>
+          <p:cNvPr id="6" name="テキスト ボックス 5">
+            <a:extLst>
+              <a:ext uri="{FF2B5EF4-FFF2-40B4-BE49-F238E27FC236}">
+                <a16:creationId xmlns:a16="http://schemas.microsoft.com/office/drawing/2014/main" id="{9AD517C6-B753-4526-B905-EC72B0081F30}"/>
+              </a:ext>
+            </a:extLst>
+          </p:cNvPr>
+          <p:cNvSpPr txBox="1"/>
+          <p:nvPr/>
+        </p:nvSpPr>
+        <p:spPr>
+          <a:xfrm>
+            <a:off x="104774" y="56495"/>
+            <a:ext cx="2438401" cy="523220"/>
+          </a:xfrm>
+          <a:prstGeom prst="rect">
+            <a:avLst/>
+          </a:prstGeom>
+          <a:noFill/>
+        </p:spPr>
+        <p:txBody>
+          <a:bodyPr wrap="square" rtlCol="0">
+            <a:spAutoFit/>
+          </a:bodyPr>
+          <a:lstStyle/>
+          <a:p>
+            <a:r>
+              <a:rPr lang="ja-JP" altLang="en-US" sz="2800" u="sng" dirty="0"/>
               <a:t>ウォンツ</a:t>
             </a:r>
-          </a:p>
-        </p:txBody>
-      </p:sp>
-      <p:sp>
-        <p:nvSpPr>
-          <p:cNvPr id="3" name="コンテンツ プレースホルダー 2">
-            <a:extLst>
-              <a:ext uri="{FF2B5EF4-FFF2-40B4-BE49-F238E27FC236}">
-                <a16:creationId xmlns:a16="http://schemas.microsoft.com/office/drawing/2014/main" id="{042F7BDE-8A79-4912-8894-CEB6914186D1}"/>
-              </a:ext>
-            </a:extLst>
-          </p:cNvPr>
-          <p:cNvSpPr>
-            <a:spLocks noGrp="1"/>
-          </p:cNvSpPr>
-          <p:nvPr>
-            <p:ph idx="1"/>
-          </p:nvPr>
-        </p:nvSpPr>
-        <p:spPr/>
-        <p:txBody>
-          <a:bodyPr/>
-          <a:lstStyle/>
-          <a:p>
-            <a:endParaRPr kumimoji="1" lang="ja-JP" altLang="en-US"/>
-          </a:p>
-        </p:txBody>
-      </p:sp>
+            <a:endParaRPr kumimoji="1" lang="ja-JP" altLang="en-US" sz="2800" u="sng" dirty="0"/>
+          </a:p>
+        </p:txBody>
+      </p:sp>
+      <p:sp>
+        <p:nvSpPr>
+          <p:cNvPr id="7" name="テキスト ボックス 6">
+            <a:extLst>
+              <a:ext uri="{FF2B5EF4-FFF2-40B4-BE49-F238E27FC236}">
+                <a16:creationId xmlns:a16="http://schemas.microsoft.com/office/drawing/2014/main" id="{69807207-477D-41FD-89D5-B8D36D633874}"/>
+              </a:ext>
+            </a:extLst>
+          </p:cNvPr>
+          <p:cNvSpPr txBox="1"/>
+          <p:nvPr/>
+        </p:nvSpPr>
+        <p:spPr>
+          <a:xfrm>
+            <a:off x="198408" y="1573878"/>
+            <a:ext cx="4580625" cy="830997"/>
+          </a:xfrm>
+          <a:prstGeom prst="rect">
+            <a:avLst/>
+          </a:prstGeom>
+          <a:noFill/>
+        </p:spPr>
+        <p:txBody>
+          <a:bodyPr wrap="square" rtlCol="0">
+            <a:spAutoFit/>
+          </a:bodyPr>
+          <a:lstStyle/>
+          <a:p>
+            <a:r>
+              <a:rPr kumimoji="1" lang="ja-JP" altLang="en-US" sz="2400" dirty="0"/>
+              <a:t>もっとおいしい</a:t>
+            </a:r>
+            <a:r>
+              <a:rPr kumimoji="1" lang="ja-JP" altLang="en-US" sz="2400" dirty="0">
+                <a:solidFill>
+                  <a:srgbClr val="FF0000"/>
+                </a:solidFill>
+              </a:rPr>
+              <a:t>食事</a:t>
+            </a:r>
+            <a:r>
+              <a:rPr kumimoji="1" lang="ja-JP" altLang="en-US" sz="2400" dirty="0"/>
+              <a:t>をしながら</a:t>
+            </a:r>
+            <a:endParaRPr kumimoji="1" lang="en-US" altLang="ja-JP" sz="2400" dirty="0"/>
+          </a:p>
+          <a:p>
+            <a:r>
+              <a:rPr kumimoji="1" lang="ja-JP" altLang="en-US" sz="2400" dirty="0"/>
+              <a:t>ダイエットしたい！</a:t>
+            </a:r>
+          </a:p>
+        </p:txBody>
+      </p:sp>
+      <p:sp>
+        <p:nvSpPr>
+          <p:cNvPr id="8" name="テキスト ボックス 7">
+            <a:extLst>
+              <a:ext uri="{FF2B5EF4-FFF2-40B4-BE49-F238E27FC236}">
+                <a16:creationId xmlns:a16="http://schemas.microsoft.com/office/drawing/2014/main" id="{DBD438D6-4B91-44A8-8004-A78344E5D57D}"/>
+              </a:ext>
+            </a:extLst>
+          </p:cNvPr>
+          <p:cNvSpPr txBox="1"/>
+          <p:nvPr/>
+        </p:nvSpPr>
+        <p:spPr>
+          <a:xfrm>
+            <a:off x="198408" y="4848992"/>
+            <a:ext cx="4801314" cy="830997"/>
+          </a:xfrm>
+          <a:prstGeom prst="rect">
+            <a:avLst/>
+          </a:prstGeom>
+          <a:noFill/>
+        </p:spPr>
+        <p:txBody>
+          <a:bodyPr wrap="none" rtlCol="0">
+            <a:spAutoFit/>
+          </a:bodyPr>
+          <a:lstStyle/>
+          <a:p>
+            <a:r>
+              <a:rPr kumimoji="1" lang="ja-JP" altLang="en-US" sz="2400" dirty="0"/>
+              <a:t>届いたもの</a:t>
+            </a:r>
+            <a:r>
+              <a:rPr lang="ja-JP" altLang="en-US" sz="2400" dirty="0"/>
+              <a:t>がしばらく使わないと</a:t>
+            </a:r>
+            <a:endParaRPr lang="en-US" altLang="ja-JP" sz="2400" dirty="0"/>
+          </a:p>
+          <a:p>
+            <a:r>
+              <a:rPr lang="ja-JP" altLang="en-US" sz="2400" dirty="0">
+                <a:solidFill>
+                  <a:srgbClr val="FF0000"/>
+                </a:solidFill>
+              </a:rPr>
+              <a:t>使用感</a:t>
+            </a:r>
+            <a:r>
+              <a:rPr lang="ja-JP" altLang="en-US" sz="2400" dirty="0"/>
+              <a:t>がわからない</a:t>
+            </a:r>
+            <a:endParaRPr kumimoji="1" lang="ja-JP" altLang="en-US" sz="2400" dirty="0"/>
+          </a:p>
+        </p:txBody>
+      </p:sp>
+      <p:pic>
+        <p:nvPicPr>
+          <p:cNvPr id="9" name="図 8" descr="テーブルの上の料理&#10;&#10;自動的に生成された説明">
+            <a:extLst>
+              <a:ext uri="{FF2B5EF4-FFF2-40B4-BE49-F238E27FC236}">
+                <a16:creationId xmlns:a16="http://schemas.microsoft.com/office/drawing/2014/main" id="{661CD6B8-59F7-455C-838E-19B684EC58F8}"/>
+              </a:ext>
+            </a:extLst>
+          </p:cNvPr>
+          <p:cNvPicPr>
+            <a:picLocks noChangeAspect="1"/>
+          </p:cNvPicPr>
+          <p:nvPr/>
+        </p:nvPicPr>
+        <p:blipFill>
+          <a:blip r:embed="rId2">
+            <a:extLst>
+              <a:ext uri="{28A0092B-C50C-407E-A947-70E740481C1C}">
+                <a14:useLocalDpi xmlns:a14="http://schemas.microsoft.com/office/drawing/2010/main" val="0"/>
+              </a:ext>
+            </a:extLst>
+          </a:blip>
+          <a:stretch>
+            <a:fillRect/>
+          </a:stretch>
+        </p:blipFill>
+        <p:spPr>
+          <a:xfrm>
+            <a:off x="7476226" y="178789"/>
+            <a:ext cx="4242038" cy="2829440"/>
+          </a:xfrm>
+          <a:prstGeom prst="round2DiagRect">
+            <a:avLst>
+              <a:gd name="adj1" fmla="val 16667"/>
+              <a:gd name="adj2" fmla="val 0"/>
+            </a:avLst>
+          </a:prstGeom>
+          <a:ln w="88900" cap="sq">
+            <a:solidFill>
+              <a:srgbClr val="FFFFFF"/>
+            </a:solidFill>
+            <a:miter lim="800000"/>
+          </a:ln>
+          <a:effectLst>
+            <a:outerShdw blurRad="254000" algn="tl" rotWithShape="0">
+              <a:srgbClr val="000000">
+                <a:alpha val="43000"/>
+              </a:srgbClr>
+            </a:outerShdw>
+          </a:effectLst>
+        </p:spPr>
+      </p:pic>
+      <p:pic>
+        <p:nvPicPr>
+          <p:cNvPr id="10" name="図 9" descr="スポーツ, 運動機器, 座る, テーブル が含まれている画像&#10;&#10;自動的に生成された説明">
+            <a:extLst>
+              <a:ext uri="{FF2B5EF4-FFF2-40B4-BE49-F238E27FC236}">
+                <a16:creationId xmlns:a16="http://schemas.microsoft.com/office/drawing/2014/main" id="{DEA7F1CD-A207-46B0-9DE7-A9404F2691BA}"/>
+              </a:ext>
+            </a:extLst>
+          </p:cNvPr>
+          <p:cNvPicPr>
+            <a:picLocks noChangeAspect="1"/>
+          </p:cNvPicPr>
+          <p:nvPr/>
+        </p:nvPicPr>
+        <p:blipFill>
+          <a:blip r:embed="rId3">
+            <a:extLst>
+              <a:ext uri="{28A0092B-C50C-407E-A947-70E740481C1C}">
+                <a14:useLocalDpi xmlns:a14="http://schemas.microsoft.com/office/drawing/2010/main" val="0"/>
+              </a:ext>
+            </a:extLst>
+          </a:blip>
+          <a:stretch>
+            <a:fillRect/>
+          </a:stretch>
+        </p:blipFill>
+        <p:spPr>
+          <a:xfrm>
+            <a:off x="7882745" y="3304344"/>
+            <a:ext cx="3429000" cy="3429000"/>
+          </a:xfrm>
+          <a:prstGeom prst="rect">
+            <a:avLst/>
+          </a:prstGeom>
+        </p:spPr>
+      </p:pic>
+      <p:pic>
+        <p:nvPicPr>
+          <p:cNvPr id="11" name="Picture 7" descr="悩む男の子のイラスト">
+            <a:extLst>
+              <a:ext uri="{FF2B5EF4-FFF2-40B4-BE49-F238E27FC236}">
+                <a16:creationId xmlns:a16="http://schemas.microsoft.com/office/drawing/2014/main" id="{5AEB31A3-0170-4FF9-BE28-2B787AEAEA8F}"/>
+              </a:ext>
+            </a:extLst>
+          </p:cNvPr>
+          <p:cNvPicPr>
+            <a:picLocks noChangeAspect="1" noChangeArrowheads="1"/>
+          </p:cNvPicPr>
+          <p:nvPr/>
+        </p:nvPicPr>
+        <p:blipFill rotWithShape="1">
+          <a:blip r:embed="rId4">
+            <a:extLst>
+              <a:ext uri="{28A0092B-C50C-407E-A947-70E740481C1C}">
+                <a14:useLocalDpi xmlns:a14="http://schemas.microsoft.com/office/drawing/2010/main" val="0"/>
+              </a:ext>
+            </a:extLst>
+          </a:blip>
+          <a:srcRect b="28616"/>
+          <a:stretch/>
+        </p:blipFill>
+        <p:spPr bwMode="auto">
+          <a:xfrm flipH="1">
+            <a:off x="5093356" y="3849772"/>
+            <a:ext cx="2716963" cy="2069261"/>
+          </a:xfrm>
+          <a:prstGeom prst="rect">
+            <a:avLst/>
+          </a:prstGeom>
+          <a:noFill/>
+          <a:extLst>
+            <a:ext uri="{909E8E84-426E-40DD-AFC4-6F175D3DCCD1}">
+              <a14:hiddenFill xmlns:a14="http://schemas.microsoft.com/office/drawing/2010/main">
+                <a:solidFill>
+                  <a:srgbClr val="FFFFFF"/>
+                </a:solidFill>
+              </a14:hiddenFill>
+            </a:ext>
+          </a:extLst>
+        </p:spPr>
+      </p:pic>
+      <p:pic>
+        <p:nvPicPr>
+          <p:cNvPr id="12" name="Picture 9" descr="悩む女の子のイラスト">
+            <a:extLst>
+              <a:ext uri="{FF2B5EF4-FFF2-40B4-BE49-F238E27FC236}">
+                <a16:creationId xmlns:a16="http://schemas.microsoft.com/office/drawing/2014/main" id="{8163DCC5-AA24-4314-885F-90C1808697FC}"/>
+              </a:ext>
+            </a:extLst>
+          </p:cNvPr>
+          <p:cNvPicPr>
+            <a:picLocks noChangeAspect="1" noChangeArrowheads="1"/>
+          </p:cNvPicPr>
+          <p:nvPr/>
+        </p:nvPicPr>
+        <p:blipFill>
+          <a:blip r:embed="rId5">
+            <a:extLst>
+              <a:ext uri="{28A0092B-C50C-407E-A947-70E740481C1C}">
+                <a14:useLocalDpi xmlns:a14="http://schemas.microsoft.com/office/drawing/2010/main" val="0"/>
+              </a:ext>
+            </a:extLst>
+          </a:blip>
+          <a:srcRect/>
+          <a:stretch>
+            <a:fillRect/>
+          </a:stretch>
+        </p:blipFill>
+        <p:spPr bwMode="auto">
+          <a:xfrm flipH="1">
+            <a:off x="5009075" y="484219"/>
+            <a:ext cx="2403894" cy="2524010"/>
+          </a:xfrm>
+          <a:prstGeom prst="rect">
+            <a:avLst/>
+          </a:prstGeom>
+          <a:noFill/>
+          <a:extLst>
+            <a:ext uri="{909E8E84-426E-40DD-AFC4-6F175D3DCCD1}">
+              <a14:hiddenFill xmlns:a14="http://schemas.microsoft.com/office/drawing/2010/main">
+                <a:solidFill>
+                  <a:srgbClr val="FFFFFF"/>
+                </a:solidFill>
+              </a14:hiddenFill>
+            </a:ext>
+          </a:extLst>
+        </p:spPr>
+      </p:pic>
     </p:spTree>
     <p:extLst>
       <p:ext uri="{BB962C8B-B14F-4D97-AF65-F5344CB8AC3E}">
-        <p14:creationId xmlns:p14="http://schemas.microsoft.com/office/powerpoint/2010/main" val="2960559260"/>
+        <p14:creationId xmlns:p14="http://schemas.microsoft.com/office/powerpoint/2010/main" val="2220347745"/>
       </p:ext>
     </p:extLst>
   </p:cSld>
@@ -7289,47 +7651,465 @@
             <p:ph type="title"/>
           </p:nvPr>
         </p:nvSpPr>
-        <p:spPr/>
+        <p:spPr>
+          <a:xfrm>
+            <a:off x="838200" y="365126"/>
+            <a:ext cx="2246745" cy="1140402"/>
+          </a:xfrm>
+        </p:spPr>
         <p:txBody>
           <a:bodyPr/>
           <a:lstStyle/>
           <a:p>
             <a:r>
-              <a:rPr kumimoji="1" lang="ja-JP" altLang="en-US" dirty="0"/>
+              <a:rPr lang="ja-JP" altLang="en-US" sz="4400" u="sng" dirty="0">
+                <a:latin typeface="ＭＳ Ｐ明朝" panose="02020600040205080304" pitchFamily="18" charset="-128"/>
+                <a:ea typeface="ＭＳ Ｐ明朝" panose="02020600040205080304" pitchFamily="18" charset="-128"/>
+              </a:rPr>
               <a:t>差別性</a:t>
             </a:r>
-          </a:p>
-        </p:txBody>
-      </p:sp>
-      <p:sp>
-        <p:nvSpPr>
-          <p:cNvPr id="3" name="コンテンツ プレースホルダー 2">
-            <a:extLst>
-              <a:ext uri="{FF2B5EF4-FFF2-40B4-BE49-F238E27FC236}">
-                <a16:creationId xmlns:a16="http://schemas.microsoft.com/office/drawing/2014/main" id="{17228888-2B59-4F9F-AAFB-75EDDD6633C8}"/>
-              </a:ext>
-            </a:extLst>
-          </p:cNvPr>
-          <p:cNvSpPr>
-            <a:spLocks noGrp="1"/>
-          </p:cNvSpPr>
-          <p:nvPr>
-            <p:ph idx="1"/>
-          </p:nvPr>
-        </p:nvSpPr>
-        <p:spPr/>
-        <p:txBody>
-          <a:bodyPr/>
-          <a:lstStyle/>
-          <a:p>
-            <a:endParaRPr kumimoji="1" lang="ja-JP" altLang="en-US"/>
-          </a:p>
-        </p:txBody>
-      </p:sp>
+            <a:endParaRPr kumimoji="1" lang="ja-JP" altLang="en-US" dirty="0"/>
+          </a:p>
+        </p:txBody>
+      </p:sp>
+      <p:sp>
+        <p:nvSpPr>
+          <p:cNvPr id="4" name="テキスト ボックス 3">
+            <a:extLst>
+              <a:ext uri="{FF2B5EF4-FFF2-40B4-BE49-F238E27FC236}">
+                <a16:creationId xmlns:a16="http://schemas.microsoft.com/office/drawing/2014/main" id="{251D70DA-6847-49B1-88AC-787E83EBF8DA}"/>
+              </a:ext>
+            </a:extLst>
+          </p:cNvPr>
+          <p:cNvSpPr txBox="1"/>
+          <p:nvPr/>
+        </p:nvSpPr>
+        <p:spPr>
+          <a:xfrm>
+            <a:off x="147781" y="1662547"/>
+            <a:ext cx="7269019" cy="4154984"/>
+          </a:xfrm>
+          <a:prstGeom prst="rect">
+            <a:avLst/>
+          </a:prstGeom>
+          <a:noFill/>
+        </p:spPr>
+        <p:txBody>
+          <a:bodyPr wrap="square" rtlCol="0">
+            <a:spAutoFit/>
+          </a:bodyPr>
+          <a:lstStyle/>
+          <a:p>
+            <a:r>
+              <a:rPr kumimoji="1" lang="ja-JP" altLang="en-US" sz="2400" dirty="0"/>
+              <a:t>・</a:t>
+            </a:r>
+            <a:r>
+              <a:rPr kumimoji="1" lang="ja-JP" altLang="en-US" sz="2400" dirty="0">
+                <a:latin typeface="HGP明朝E" panose="02020900000000000000" pitchFamily="18" charset="-128"/>
+                <a:ea typeface="HGP明朝E" panose="02020900000000000000" pitchFamily="18" charset="-128"/>
+              </a:rPr>
+              <a:t>利用者の</a:t>
+            </a:r>
+            <a:r>
+              <a:rPr kumimoji="1" lang="ja-JP" altLang="en-US" sz="2400" dirty="0">
+                <a:solidFill>
+                  <a:srgbClr val="FF0000"/>
+                </a:solidFill>
+                <a:latin typeface="UD デジタル 教科書体 NK-B" panose="02020700000000000000" pitchFamily="18" charset="-128"/>
+                <a:ea typeface="UD デジタル 教科書体 NK-B" panose="02020700000000000000" pitchFamily="18" charset="-128"/>
+              </a:rPr>
+              <a:t>身長</a:t>
+            </a:r>
+            <a:r>
+              <a:rPr kumimoji="1" lang="ja-JP" altLang="en-US" sz="2400" dirty="0">
+                <a:latin typeface="UD デジタル 教科書体 NK-B" panose="02020700000000000000" pitchFamily="18" charset="-128"/>
+                <a:ea typeface="UD デジタル 教科書体 NK-B" panose="02020700000000000000" pitchFamily="18" charset="-128"/>
+              </a:rPr>
+              <a:t>、</a:t>
+            </a:r>
+            <a:r>
+              <a:rPr kumimoji="1" lang="ja-JP" altLang="en-US" sz="2400" dirty="0">
+                <a:solidFill>
+                  <a:srgbClr val="00B050"/>
+                </a:solidFill>
+                <a:latin typeface="UD デジタル 教科書体 NK-B" panose="02020700000000000000" pitchFamily="18" charset="-128"/>
+                <a:ea typeface="UD デジタル 教科書体 NK-B" panose="02020700000000000000" pitchFamily="18" charset="-128"/>
+              </a:rPr>
+              <a:t>体重</a:t>
+            </a:r>
+            <a:r>
+              <a:rPr kumimoji="1" lang="ja-JP" altLang="en-US" sz="2400" dirty="0">
+                <a:latin typeface="UD デジタル 教科書体 NK-B" panose="02020700000000000000" pitchFamily="18" charset="-128"/>
+                <a:ea typeface="UD デジタル 教科書体 NK-B" panose="02020700000000000000" pitchFamily="18" charset="-128"/>
+              </a:rPr>
+              <a:t>、</a:t>
+            </a:r>
+            <a:r>
+              <a:rPr kumimoji="1" lang="ja-JP" altLang="en-US" sz="2400" dirty="0">
+                <a:solidFill>
+                  <a:srgbClr val="0070C0"/>
+                </a:solidFill>
+                <a:latin typeface="UD デジタル 教科書体 NK-B" panose="02020700000000000000" pitchFamily="18" charset="-128"/>
+                <a:ea typeface="UD デジタル 教科書体 NK-B" panose="02020700000000000000" pitchFamily="18" charset="-128"/>
+              </a:rPr>
+              <a:t>練習メニュー</a:t>
+            </a:r>
+            <a:r>
+              <a:rPr kumimoji="1" lang="ja-JP" altLang="en-US" sz="2400" dirty="0">
+                <a:latin typeface="HGP明朝E" panose="02020900000000000000" pitchFamily="18" charset="-128"/>
+                <a:ea typeface="HGP明朝E" panose="02020900000000000000" pitchFamily="18" charset="-128"/>
+              </a:rPr>
+              <a:t>によって</a:t>
+            </a:r>
+            <a:endParaRPr kumimoji="1" lang="en-US" altLang="ja-JP" sz="2400" dirty="0">
+              <a:latin typeface="HGP明朝E" panose="02020900000000000000" pitchFamily="18" charset="-128"/>
+              <a:ea typeface="HGP明朝E" panose="02020900000000000000" pitchFamily="18" charset="-128"/>
+            </a:endParaRPr>
+          </a:p>
+          <a:p>
+            <a:r>
+              <a:rPr lang="ja-JP" altLang="en-US" sz="2400" dirty="0">
+                <a:latin typeface="HGP明朝E" panose="02020900000000000000" pitchFamily="18" charset="-128"/>
+                <a:ea typeface="HGP明朝E" panose="02020900000000000000" pitchFamily="18" charset="-128"/>
+              </a:rPr>
+              <a:t>　</a:t>
+            </a:r>
+            <a:r>
+              <a:rPr kumimoji="1" lang="ja-JP" altLang="en-US" sz="2400" dirty="0">
+                <a:latin typeface="HGP明朝E" panose="02020900000000000000" pitchFamily="18" charset="-128"/>
+                <a:ea typeface="HGP明朝E" panose="02020900000000000000" pitchFamily="18" charset="-128"/>
+              </a:rPr>
+              <a:t>届くものが変わる</a:t>
+            </a:r>
+            <a:endParaRPr kumimoji="1" lang="en-US" altLang="ja-JP" sz="2400" dirty="0">
+              <a:latin typeface="HGP明朝E" panose="02020900000000000000" pitchFamily="18" charset="-128"/>
+              <a:ea typeface="HGP明朝E" panose="02020900000000000000" pitchFamily="18" charset="-128"/>
+            </a:endParaRPr>
+          </a:p>
+          <a:p>
+            <a:endParaRPr kumimoji="1" lang="en-US" altLang="ja-JP" sz="2400" dirty="0"/>
+          </a:p>
+          <a:p>
+            <a:endParaRPr kumimoji="1" lang="en-US" altLang="ja-JP" sz="2400" dirty="0"/>
+          </a:p>
+          <a:p>
+            <a:endParaRPr kumimoji="1" lang="en-US" altLang="ja-JP" sz="2400" dirty="0"/>
+          </a:p>
+          <a:p>
+            <a:r>
+              <a:rPr lang="ja-JP" altLang="en-US" sz="2400" dirty="0"/>
+              <a:t>・</a:t>
+            </a:r>
+            <a:r>
+              <a:rPr lang="ja-JP" altLang="en-US" sz="2400" dirty="0">
+                <a:solidFill>
+                  <a:srgbClr val="FF0000"/>
+                </a:solidFill>
+                <a:highlight>
+                  <a:srgbClr val="000000"/>
+                </a:highlight>
+                <a:latin typeface="游明朝 Demibold" panose="02020600000000000000" pitchFamily="18" charset="-128"/>
+                <a:ea typeface="游明朝 Demibold" panose="02020600000000000000" pitchFamily="18" charset="-128"/>
+              </a:rPr>
+              <a:t>Ｐ</a:t>
+            </a:r>
+            <a:r>
+              <a:rPr lang="ja-JP" altLang="en-US" sz="2400" dirty="0">
+                <a:solidFill>
+                  <a:srgbClr val="FFC000"/>
+                </a:solidFill>
+                <a:highlight>
+                  <a:srgbClr val="000000"/>
+                </a:highlight>
+                <a:latin typeface="游明朝 Demibold" panose="02020600000000000000" pitchFamily="18" charset="-128"/>
+                <a:ea typeface="游明朝 Demibold" panose="02020600000000000000" pitchFamily="18" charset="-128"/>
+              </a:rPr>
+              <a:t>Ｒ</a:t>
+            </a:r>
+            <a:r>
+              <a:rPr lang="ja-JP" altLang="en-US" sz="2400" dirty="0">
+                <a:solidFill>
+                  <a:srgbClr val="00B050"/>
+                </a:solidFill>
+                <a:highlight>
+                  <a:srgbClr val="000000"/>
+                </a:highlight>
+                <a:latin typeface="游明朝 Demibold" panose="02020600000000000000" pitchFamily="18" charset="-128"/>
+                <a:ea typeface="游明朝 Demibold" panose="02020600000000000000" pitchFamily="18" charset="-128"/>
+              </a:rPr>
+              <a:t>Ｏ</a:t>
+            </a:r>
+            <a:r>
+              <a:rPr lang="ja-JP" altLang="en-US" sz="2400" dirty="0">
+                <a:solidFill>
+                  <a:srgbClr val="0070C0"/>
+                </a:solidFill>
+                <a:highlight>
+                  <a:srgbClr val="000000"/>
+                </a:highlight>
+                <a:latin typeface="游明朝 Demibold" panose="02020600000000000000" pitchFamily="18" charset="-128"/>
+                <a:ea typeface="游明朝 Demibold" panose="02020600000000000000" pitchFamily="18" charset="-128"/>
+              </a:rPr>
+              <a:t>Ｔ</a:t>
+            </a:r>
+            <a:r>
+              <a:rPr lang="ja-JP" altLang="en-US" sz="2400" dirty="0">
+                <a:solidFill>
+                  <a:schemeClr val="bg1"/>
+                </a:solidFill>
+                <a:highlight>
+                  <a:srgbClr val="000000"/>
+                </a:highlight>
+                <a:latin typeface="游明朝 Demibold" panose="02020600000000000000" pitchFamily="18" charset="-128"/>
+                <a:ea typeface="游明朝 Demibold" panose="02020600000000000000" pitchFamily="18" charset="-128"/>
+              </a:rPr>
+              <a:t>Ｅ</a:t>
+            </a:r>
+            <a:r>
+              <a:rPr lang="ja-JP" altLang="en-US" sz="2400" dirty="0">
+                <a:solidFill>
+                  <a:srgbClr val="FF33CC"/>
+                </a:solidFill>
+                <a:highlight>
+                  <a:srgbClr val="000000"/>
+                </a:highlight>
+                <a:latin typeface="游明朝 Demibold" panose="02020600000000000000" pitchFamily="18" charset="-128"/>
+                <a:ea typeface="游明朝 Demibold" panose="02020600000000000000" pitchFamily="18" charset="-128"/>
+              </a:rPr>
+              <a:t>Ｉ</a:t>
+            </a:r>
+            <a:r>
+              <a:rPr lang="ja-JP" altLang="en-US" sz="2400" dirty="0">
+                <a:solidFill>
+                  <a:schemeClr val="accent2">
+                    <a:lumMod val="75000"/>
+                  </a:schemeClr>
+                </a:solidFill>
+                <a:highlight>
+                  <a:srgbClr val="000000"/>
+                </a:highlight>
+                <a:latin typeface="游明朝 Demibold" panose="02020600000000000000" pitchFamily="18" charset="-128"/>
+                <a:ea typeface="游明朝 Demibold" panose="02020600000000000000" pitchFamily="18" charset="-128"/>
+              </a:rPr>
+              <a:t>Ｎ</a:t>
+            </a:r>
+            <a:r>
+              <a:rPr lang="ja-JP" altLang="en-US" sz="2400" dirty="0">
+                <a:latin typeface="HGP明朝E" panose="02020900000000000000" pitchFamily="18" charset="-128"/>
+                <a:ea typeface="HGP明朝E" panose="02020900000000000000" pitchFamily="18" charset="-128"/>
+              </a:rPr>
+              <a:t>が届く</a:t>
+            </a:r>
+            <a:endParaRPr lang="en-US" altLang="ja-JP" sz="2400" dirty="0">
+              <a:latin typeface="HGP明朝E" panose="02020900000000000000" pitchFamily="18" charset="-128"/>
+              <a:ea typeface="HGP明朝E" panose="02020900000000000000" pitchFamily="18" charset="-128"/>
+            </a:endParaRPr>
+          </a:p>
+          <a:p>
+            <a:endParaRPr lang="en-US" altLang="ja-JP" sz="2400" dirty="0"/>
+          </a:p>
+          <a:p>
+            <a:endParaRPr lang="en-US" altLang="ja-JP" sz="2400" dirty="0"/>
+          </a:p>
+          <a:p>
+            <a:endParaRPr lang="en-US" altLang="ja-JP" sz="2400" dirty="0"/>
+          </a:p>
+          <a:p>
+            <a:r>
+              <a:rPr kumimoji="1" lang="ja-JP" altLang="en-US" sz="2400" dirty="0"/>
+              <a:t>・</a:t>
+            </a:r>
+            <a:r>
+              <a:rPr kumimoji="1" lang="ja-JP" altLang="en-US" sz="2400" dirty="0">
+                <a:latin typeface="HGP明朝E" panose="02020900000000000000" pitchFamily="18" charset="-128"/>
+                <a:ea typeface="HGP明朝E" panose="02020900000000000000" pitchFamily="18" charset="-128"/>
+              </a:rPr>
+              <a:t>定期的に筋トレ用のアイテムが届いたり</a:t>
+            </a:r>
+            <a:endParaRPr kumimoji="1" lang="en-US" altLang="ja-JP" sz="2400" dirty="0">
+              <a:latin typeface="HGP明朝E" panose="02020900000000000000" pitchFamily="18" charset="-128"/>
+              <a:ea typeface="HGP明朝E" panose="02020900000000000000" pitchFamily="18" charset="-128"/>
+            </a:endParaRPr>
+          </a:p>
+          <a:p>
+            <a:r>
+              <a:rPr lang="ja-JP" altLang="en-US" sz="2400" dirty="0">
+                <a:latin typeface="HGP明朝E" panose="02020900000000000000" pitchFamily="18" charset="-128"/>
+                <a:ea typeface="HGP明朝E" panose="02020900000000000000" pitchFamily="18" charset="-128"/>
+              </a:rPr>
+              <a:t>　</a:t>
+            </a:r>
+            <a:r>
+              <a:rPr kumimoji="1" lang="ja-JP" altLang="en-US" sz="2400" dirty="0">
+                <a:latin typeface="HGP明朝E" panose="02020900000000000000" pitchFamily="18" charset="-128"/>
+                <a:ea typeface="HGP明朝E" panose="02020900000000000000" pitchFamily="18" charset="-128"/>
+              </a:rPr>
+              <a:t>レンタルできたりする。</a:t>
+            </a:r>
+          </a:p>
+        </p:txBody>
+      </p:sp>
+      <p:pic>
+        <p:nvPicPr>
+          <p:cNvPr id="6" name="図 5" descr="グラフ, アイコン, じょうごグラフ&#10;&#10;自動的に生成された説明">
+            <a:extLst>
+              <a:ext uri="{FF2B5EF4-FFF2-40B4-BE49-F238E27FC236}">
+                <a16:creationId xmlns:a16="http://schemas.microsoft.com/office/drawing/2014/main" id="{D64CD833-80EF-45F3-B76D-6636EB4DC934}"/>
+              </a:ext>
+            </a:extLst>
+          </p:cNvPr>
+          <p:cNvPicPr>
+            <a:picLocks noChangeAspect="1"/>
+          </p:cNvPicPr>
+          <p:nvPr/>
+        </p:nvPicPr>
+        <p:blipFill>
+          <a:blip r:embed="rId2">
+            <a:extLst>
+              <a:ext uri="{28A0092B-C50C-407E-A947-70E740481C1C}">
+                <a14:useLocalDpi xmlns:a14="http://schemas.microsoft.com/office/drawing/2010/main" val="0"/>
+              </a:ext>
+            </a:extLst>
+          </a:blip>
+          <a:stretch>
+            <a:fillRect/>
+          </a:stretch>
+        </p:blipFill>
+        <p:spPr>
+          <a:xfrm>
+            <a:off x="9123748" y="3530493"/>
+            <a:ext cx="3157537" cy="2369896"/>
+          </a:xfrm>
+          <a:prstGeom prst="ellipse">
+            <a:avLst/>
+          </a:prstGeom>
+          <a:ln>
+            <a:noFill/>
+          </a:ln>
+          <a:effectLst>
+            <a:softEdge rad="112500"/>
+          </a:effectLst>
+        </p:spPr>
+      </p:pic>
+      <p:pic>
+        <p:nvPicPr>
+          <p:cNvPr id="8" name="図 7" descr="図形&#10;&#10;低い精度で自動的に生成された説明">
+            <a:extLst>
+              <a:ext uri="{FF2B5EF4-FFF2-40B4-BE49-F238E27FC236}">
+                <a16:creationId xmlns:a16="http://schemas.microsoft.com/office/drawing/2014/main" id="{A7517FEB-0F4D-493E-BE0C-1D37D8250E0E}"/>
+              </a:ext>
+            </a:extLst>
+          </p:cNvPr>
+          <p:cNvPicPr>
+            <a:picLocks noChangeAspect="1"/>
+          </p:cNvPicPr>
+          <p:nvPr/>
+        </p:nvPicPr>
+        <p:blipFill>
+          <a:blip r:embed="rId3">
+            <a:extLst>
+              <a:ext uri="{28A0092B-C50C-407E-A947-70E740481C1C}">
+                <a14:useLocalDpi xmlns:a14="http://schemas.microsoft.com/office/drawing/2010/main" val="0"/>
+              </a:ext>
+            </a:extLst>
+          </a:blip>
+          <a:stretch>
+            <a:fillRect/>
+          </a:stretch>
+        </p:blipFill>
+        <p:spPr>
+          <a:xfrm flipH="1">
+            <a:off x="9474045" y="624951"/>
+            <a:ext cx="2717955" cy="2804049"/>
+          </a:xfrm>
+          <a:prstGeom prst="rect">
+            <a:avLst/>
+          </a:prstGeom>
+        </p:spPr>
+      </p:pic>
+      <p:pic>
+        <p:nvPicPr>
+          <p:cNvPr id="10" name="図 9" descr="テキスト が含まれている画像&#10;&#10;自動的に生成された説明">
+            <a:extLst>
+              <a:ext uri="{FF2B5EF4-FFF2-40B4-BE49-F238E27FC236}">
+                <a16:creationId xmlns:a16="http://schemas.microsoft.com/office/drawing/2014/main" id="{DF0E32E1-7E0C-4A8B-BA2A-4A308EE588EE}"/>
+              </a:ext>
+            </a:extLst>
+          </p:cNvPr>
+          <p:cNvPicPr>
+            <a:picLocks noChangeAspect="1"/>
+          </p:cNvPicPr>
+          <p:nvPr/>
+        </p:nvPicPr>
+        <p:blipFill>
+          <a:blip r:embed="rId4">
+            <a:extLst>
+              <a:ext uri="{28A0092B-C50C-407E-A947-70E740481C1C}">
+                <a14:useLocalDpi xmlns:a14="http://schemas.microsoft.com/office/drawing/2010/main" val="0"/>
+              </a:ext>
+            </a:extLst>
+          </a:blip>
+          <a:stretch>
+            <a:fillRect/>
+          </a:stretch>
+        </p:blipFill>
+        <p:spPr>
+          <a:xfrm flipH="1">
+            <a:off x="6548582" y="1178623"/>
+            <a:ext cx="2967789" cy="2039965"/>
+          </a:xfrm>
+          <a:prstGeom prst="ellipse">
+            <a:avLst/>
+          </a:prstGeom>
+          <a:ln>
+            <a:noFill/>
+          </a:ln>
+          <a:effectLst>
+            <a:softEdge rad="112500"/>
+          </a:effectLst>
+        </p:spPr>
+      </p:pic>
+      <p:pic>
+        <p:nvPicPr>
+          <p:cNvPr id="12" name="図 11" descr="ボックス が含まれている画像&#10;&#10;自動的に生成された説明">
+            <a:extLst>
+              <a:ext uri="{FF2B5EF4-FFF2-40B4-BE49-F238E27FC236}">
+                <a16:creationId xmlns:a16="http://schemas.microsoft.com/office/drawing/2014/main" id="{8F92D466-E647-48F0-9A4D-1AE6C2ADB2BF}"/>
+              </a:ext>
+            </a:extLst>
+          </p:cNvPr>
+          <p:cNvPicPr>
+            <a:picLocks noChangeAspect="1"/>
+          </p:cNvPicPr>
+          <p:nvPr/>
+        </p:nvPicPr>
+        <p:blipFill>
+          <a:blip r:embed="rId5">
+            <a:extLst>
+              <a:ext uri="{28A0092B-C50C-407E-A947-70E740481C1C}">
+                <a14:useLocalDpi xmlns:a14="http://schemas.microsoft.com/office/drawing/2010/main" val="0"/>
+              </a:ext>
+            </a:extLst>
+          </a:blip>
+          <a:stretch>
+            <a:fillRect/>
+          </a:stretch>
+        </p:blipFill>
+        <p:spPr>
+          <a:xfrm>
+            <a:off x="6209753" y="3429000"/>
+            <a:ext cx="2696565" cy="2696565"/>
+          </a:xfrm>
+          <a:prstGeom prst="rect">
+            <a:avLst/>
+          </a:prstGeom>
+        </p:spPr>
+      </p:pic>
     </p:spTree>
     <p:extLst>
       <p:ext uri="{BB962C8B-B14F-4D97-AF65-F5344CB8AC3E}">
-        <p14:creationId xmlns:p14="http://schemas.microsoft.com/office/powerpoint/2010/main" val="2173184871"/>
+        <p14:creationId xmlns:p14="http://schemas.microsoft.com/office/powerpoint/2010/main" val="480430020"/>
       </p:ext>
     </p:extLst>
   </p:cSld>

--- a/DAMAS.pptx
+++ b/DAMAS.pptx
@@ -4408,29 +4408,525 @@
       </p:sp>
       <p:sp>
         <p:nvSpPr>
-          <p:cNvPr id="3" name="コンテンツ プレースホルダー 2">
-            <a:extLst>
-              <a:ext uri="{FF2B5EF4-FFF2-40B4-BE49-F238E27FC236}">
-                <a16:creationId xmlns:a16="http://schemas.microsoft.com/office/drawing/2014/main" id="{8732EAC7-339B-4B34-A192-A4FFBAB5E193}"/>
-              </a:ext>
-            </a:extLst>
-          </p:cNvPr>
-          <p:cNvSpPr>
-            <a:spLocks noGrp="1"/>
+          <p:cNvPr id="4" name="コンテンツ プレースホルダー 2">
+            <a:extLst>
+              <a:ext uri="{FF2B5EF4-FFF2-40B4-BE49-F238E27FC236}">
+                <a16:creationId xmlns:a16="http://schemas.microsoft.com/office/drawing/2014/main" id="{D119DE0A-216C-4290-A7F8-E69C6EE9EBD9}"/>
+              </a:ext>
+            </a:extLst>
+          </p:cNvPr>
+          <p:cNvSpPr txBox="1">
+            <a:spLocks/>
           </p:cNvSpPr>
-          <p:nvPr>
-            <p:ph idx="1"/>
-          </p:nvPr>
-        </p:nvSpPr>
-        <p:spPr/>
-        <p:txBody>
-          <a:bodyPr/>
-          <a:lstStyle/>
-          <a:p>
-            <a:endParaRPr kumimoji="1" lang="ja-JP" altLang="en-US"/>
-          </a:p>
-        </p:txBody>
-      </p:sp>
+          <p:nvPr/>
+        </p:nvSpPr>
+        <p:spPr>
+          <a:xfrm>
+            <a:off x="838200" y="3490985"/>
+            <a:ext cx="10515600" cy="720797"/>
+          </a:xfrm>
+          <a:prstGeom prst="rect">
+            <a:avLst/>
+          </a:prstGeom>
+        </p:spPr>
+        <p:txBody>
+          <a:bodyPr vert="horz" lIns="91440" tIns="45720" rIns="91440" bIns="45720" rtlCol="0">
+            <a:normAutofit/>
+          </a:bodyPr>
+          <a:lstStyle>
+            <a:lvl1pPr marL="228600" indent="-228600" algn="l" defTabSz="914400" rtl="0" eaLnBrk="1" latinLnBrk="0" hangingPunct="1">
+              <a:lnSpc>
+                <a:spcPct val="90000"/>
+              </a:lnSpc>
+              <a:spcBef>
+                <a:spcPts val="1000"/>
+              </a:spcBef>
+              <a:buFont typeface="Arial" panose="020B0604020202020204" pitchFamily="34" charset="0"/>
+              <a:buChar char="•"/>
+              <a:defRPr kumimoji="1" sz="2800" kern="1200">
+                <a:solidFill>
+                  <a:schemeClr val="tx1"/>
+                </a:solidFill>
+                <a:latin typeface="+mn-lt"/>
+                <a:ea typeface="+mn-ea"/>
+                <a:cs typeface="+mn-cs"/>
+              </a:defRPr>
+            </a:lvl1pPr>
+            <a:lvl2pPr marL="685800" indent="-228600" algn="l" defTabSz="914400" rtl="0" eaLnBrk="1" latinLnBrk="0" hangingPunct="1">
+              <a:lnSpc>
+                <a:spcPct val="90000"/>
+              </a:lnSpc>
+              <a:spcBef>
+                <a:spcPts val="500"/>
+              </a:spcBef>
+              <a:buFont typeface="Arial" panose="020B0604020202020204" pitchFamily="34" charset="0"/>
+              <a:buChar char="•"/>
+              <a:defRPr kumimoji="1" sz="2400" kern="1200">
+                <a:solidFill>
+                  <a:schemeClr val="tx1"/>
+                </a:solidFill>
+                <a:latin typeface="+mn-lt"/>
+                <a:ea typeface="+mn-ea"/>
+                <a:cs typeface="+mn-cs"/>
+              </a:defRPr>
+            </a:lvl2pPr>
+            <a:lvl3pPr marL="1143000" indent="-228600" algn="l" defTabSz="914400" rtl="0" eaLnBrk="1" latinLnBrk="0" hangingPunct="1">
+              <a:lnSpc>
+                <a:spcPct val="90000"/>
+              </a:lnSpc>
+              <a:spcBef>
+                <a:spcPts val="500"/>
+              </a:spcBef>
+              <a:buFont typeface="Arial" panose="020B0604020202020204" pitchFamily="34" charset="0"/>
+              <a:buChar char="•"/>
+              <a:defRPr kumimoji="1" sz="2000" kern="1200">
+                <a:solidFill>
+                  <a:schemeClr val="tx1"/>
+                </a:solidFill>
+                <a:latin typeface="+mn-lt"/>
+                <a:ea typeface="+mn-ea"/>
+                <a:cs typeface="+mn-cs"/>
+              </a:defRPr>
+            </a:lvl3pPr>
+            <a:lvl4pPr marL="1600200" indent="-228600" algn="l" defTabSz="914400" rtl="0" eaLnBrk="1" latinLnBrk="0" hangingPunct="1">
+              <a:lnSpc>
+                <a:spcPct val="90000"/>
+              </a:lnSpc>
+              <a:spcBef>
+                <a:spcPts val="500"/>
+              </a:spcBef>
+              <a:buFont typeface="Arial" panose="020B0604020202020204" pitchFamily="34" charset="0"/>
+              <a:buChar char="•"/>
+              <a:defRPr kumimoji="1" sz="1800" kern="1200">
+                <a:solidFill>
+                  <a:schemeClr val="tx1"/>
+                </a:solidFill>
+                <a:latin typeface="+mn-lt"/>
+                <a:ea typeface="+mn-ea"/>
+                <a:cs typeface="+mn-cs"/>
+              </a:defRPr>
+            </a:lvl4pPr>
+            <a:lvl5pPr marL="2057400" indent="-228600" algn="l" defTabSz="914400" rtl="0" eaLnBrk="1" latinLnBrk="0" hangingPunct="1">
+              <a:lnSpc>
+                <a:spcPct val="90000"/>
+              </a:lnSpc>
+              <a:spcBef>
+                <a:spcPts val="500"/>
+              </a:spcBef>
+              <a:buFont typeface="Arial" panose="020B0604020202020204" pitchFamily="34" charset="0"/>
+              <a:buChar char="•"/>
+              <a:defRPr kumimoji="1" sz="1800" kern="1200">
+                <a:solidFill>
+                  <a:schemeClr val="tx1"/>
+                </a:solidFill>
+                <a:latin typeface="+mn-lt"/>
+                <a:ea typeface="+mn-ea"/>
+                <a:cs typeface="+mn-cs"/>
+              </a:defRPr>
+            </a:lvl5pPr>
+            <a:lvl6pPr marL="2514600" indent="-228600" algn="l" defTabSz="914400" rtl="0" eaLnBrk="1" latinLnBrk="0" hangingPunct="1">
+              <a:lnSpc>
+                <a:spcPct val="90000"/>
+              </a:lnSpc>
+              <a:spcBef>
+                <a:spcPts val="500"/>
+              </a:spcBef>
+              <a:buFont typeface="Arial" panose="020B0604020202020204" pitchFamily="34" charset="0"/>
+              <a:buChar char="•"/>
+              <a:defRPr kumimoji="1" sz="1800" kern="1200">
+                <a:solidFill>
+                  <a:schemeClr val="tx1"/>
+                </a:solidFill>
+                <a:latin typeface="+mn-lt"/>
+                <a:ea typeface="+mn-ea"/>
+                <a:cs typeface="+mn-cs"/>
+              </a:defRPr>
+            </a:lvl6pPr>
+            <a:lvl7pPr marL="2971800" indent="-228600" algn="l" defTabSz="914400" rtl="0" eaLnBrk="1" latinLnBrk="0" hangingPunct="1">
+              <a:lnSpc>
+                <a:spcPct val="90000"/>
+              </a:lnSpc>
+              <a:spcBef>
+                <a:spcPts val="500"/>
+              </a:spcBef>
+              <a:buFont typeface="Arial" panose="020B0604020202020204" pitchFamily="34" charset="0"/>
+              <a:buChar char="•"/>
+              <a:defRPr kumimoji="1" sz="1800" kern="1200">
+                <a:solidFill>
+                  <a:schemeClr val="tx1"/>
+                </a:solidFill>
+                <a:latin typeface="+mn-lt"/>
+                <a:ea typeface="+mn-ea"/>
+                <a:cs typeface="+mn-cs"/>
+              </a:defRPr>
+            </a:lvl7pPr>
+            <a:lvl8pPr marL="3429000" indent="-228600" algn="l" defTabSz="914400" rtl="0" eaLnBrk="1" latinLnBrk="0" hangingPunct="1">
+              <a:lnSpc>
+                <a:spcPct val="90000"/>
+              </a:lnSpc>
+              <a:spcBef>
+                <a:spcPts val="500"/>
+              </a:spcBef>
+              <a:buFont typeface="Arial" panose="020B0604020202020204" pitchFamily="34" charset="0"/>
+              <a:buChar char="•"/>
+              <a:defRPr kumimoji="1" sz="1800" kern="1200">
+                <a:solidFill>
+                  <a:schemeClr val="tx1"/>
+                </a:solidFill>
+                <a:latin typeface="+mn-lt"/>
+                <a:ea typeface="+mn-ea"/>
+                <a:cs typeface="+mn-cs"/>
+              </a:defRPr>
+            </a:lvl8pPr>
+            <a:lvl9pPr marL="3886200" indent="-228600" algn="l" defTabSz="914400" rtl="0" eaLnBrk="1" latinLnBrk="0" hangingPunct="1">
+              <a:lnSpc>
+                <a:spcPct val="90000"/>
+              </a:lnSpc>
+              <a:spcBef>
+                <a:spcPts val="500"/>
+              </a:spcBef>
+              <a:buFont typeface="Arial" panose="020B0604020202020204" pitchFamily="34" charset="0"/>
+              <a:buChar char="•"/>
+              <a:defRPr kumimoji="1" sz="1800" kern="1200">
+                <a:solidFill>
+                  <a:schemeClr val="tx1"/>
+                </a:solidFill>
+                <a:latin typeface="+mn-lt"/>
+                <a:ea typeface="+mn-ea"/>
+                <a:cs typeface="+mn-cs"/>
+              </a:defRPr>
+            </a:lvl9pPr>
+          </a:lstStyle>
+          <a:p>
+            <a:endParaRPr kumimoji="1" lang="en-US" altLang="ja-JP" sz="3600" dirty="0"/>
+          </a:p>
+        </p:txBody>
+      </p:sp>
+      <p:sp>
+        <p:nvSpPr>
+          <p:cNvPr id="5" name="コンテンツ プレースホルダー 2">
+            <a:extLst>
+              <a:ext uri="{FF2B5EF4-FFF2-40B4-BE49-F238E27FC236}">
+                <a16:creationId xmlns:a16="http://schemas.microsoft.com/office/drawing/2014/main" id="{D0F68627-04DC-47D6-9866-37E5FE1B6245}"/>
+              </a:ext>
+            </a:extLst>
+          </p:cNvPr>
+          <p:cNvSpPr txBox="1">
+            <a:spLocks/>
+          </p:cNvSpPr>
+          <p:nvPr/>
+        </p:nvSpPr>
+        <p:spPr>
+          <a:xfrm>
+            <a:off x="838200" y="2578389"/>
+            <a:ext cx="10515600" cy="720797"/>
+          </a:xfrm>
+          <a:prstGeom prst="rect">
+            <a:avLst/>
+          </a:prstGeom>
+        </p:spPr>
+        <p:txBody>
+          <a:bodyPr vert="horz" lIns="91440" tIns="45720" rIns="91440" bIns="45720" rtlCol="0">
+            <a:normAutofit/>
+          </a:bodyPr>
+          <a:lstStyle>
+            <a:lvl1pPr marL="228600" indent="-228600" algn="l" defTabSz="914400" rtl="0" eaLnBrk="1" latinLnBrk="0" hangingPunct="1">
+              <a:lnSpc>
+                <a:spcPct val="90000"/>
+              </a:lnSpc>
+              <a:spcBef>
+                <a:spcPts val="1000"/>
+              </a:spcBef>
+              <a:buFont typeface="Arial" panose="020B0604020202020204" pitchFamily="34" charset="0"/>
+              <a:buChar char="•"/>
+              <a:defRPr kumimoji="1" sz="2800" kern="1200">
+                <a:solidFill>
+                  <a:schemeClr val="tx1"/>
+                </a:solidFill>
+                <a:latin typeface="+mn-lt"/>
+                <a:ea typeface="+mn-ea"/>
+                <a:cs typeface="+mn-cs"/>
+              </a:defRPr>
+            </a:lvl1pPr>
+            <a:lvl2pPr marL="685800" indent="-228600" algn="l" defTabSz="914400" rtl="0" eaLnBrk="1" latinLnBrk="0" hangingPunct="1">
+              <a:lnSpc>
+                <a:spcPct val="90000"/>
+              </a:lnSpc>
+              <a:spcBef>
+                <a:spcPts val="500"/>
+              </a:spcBef>
+              <a:buFont typeface="Arial" panose="020B0604020202020204" pitchFamily="34" charset="0"/>
+              <a:buChar char="•"/>
+              <a:defRPr kumimoji="1" sz="2400" kern="1200">
+                <a:solidFill>
+                  <a:schemeClr val="tx1"/>
+                </a:solidFill>
+                <a:latin typeface="+mn-lt"/>
+                <a:ea typeface="+mn-ea"/>
+                <a:cs typeface="+mn-cs"/>
+              </a:defRPr>
+            </a:lvl2pPr>
+            <a:lvl3pPr marL="1143000" indent="-228600" algn="l" defTabSz="914400" rtl="0" eaLnBrk="1" latinLnBrk="0" hangingPunct="1">
+              <a:lnSpc>
+                <a:spcPct val="90000"/>
+              </a:lnSpc>
+              <a:spcBef>
+                <a:spcPts val="500"/>
+              </a:spcBef>
+              <a:buFont typeface="Arial" panose="020B0604020202020204" pitchFamily="34" charset="0"/>
+              <a:buChar char="•"/>
+              <a:defRPr kumimoji="1" sz="2000" kern="1200">
+                <a:solidFill>
+                  <a:schemeClr val="tx1"/>
+                </a:solidFill>
+                <a:latin typeface="+mn-lt"/>
+                <a:ea typeface="+mn-ea"/>
+                <a:cs typeface="+mn-cs"/>
+              </a:defRPr>
+            </a:lvl3pPr>
+            <a:lvl4pPr marL="1600200" indent="-228600" algn="l" defTabSz="914400" rtl="0" eaLnBrk="1" latinLnBrk="0" hangingPunct="1">
+              <a:lnSpc>
+                <a:spcPct val="90000"/>
+              </a:lnSpc>
+              <a:spcBef>
+                <a:spcPts val="500"/>
+              </a:spcBef>
+              <a:buFont typeface="Arial" panose="020B0604020202020204" pitchFamily="34" charset="0"/>
+              <a:buChar char="•"/>
+              <a:defRPr kumimoji="1" sz="1800" kern="1200">
+                <a:solidFill>
+                  <a:schemeClr val="tx1"/>
+                </a:solidFill>
+                <a:latin typeface="+mn-lt"/>
+                <a:ea typeface="+mn-ea"/>
+                <a:cs typeface="+mn-cs"/>
+              </a:defRPr>
+            </a:lvl4pPr>
+            <a:lvl5pPr marL="2057400" indent="-228600" algn="l" defTabSz="914400" rtl="0" eaLnBrk="1" latinLnBrk="0" hangingPunct="1">
+              <a:lnSpc>
+                <a:spcPct val="90000"/>
+              </a:lnSpc>
+              <a:spcBef>
+                <a:spcPts val="500"/>
+              </a:spcBef>
+              <a:buFont typeface="Arial" panose="020B0604020202020204" pitchFamily="34" charset="0"/>
+              <a:buChar char="•"/>
+              <a:defRPr kumimoji="1" sz="1800" kern="1200">
+                <a:solidFill>
+                  <a:schemeClr val="tx1"/>
+                </a:solidFill>
+                <a:latin typeface="+mn-lt"/>
+                <a:ea typeface="+mn-ea"/>
+                <a:cs typeface="+mn-cs"/>
+              </a:defRPr>
+            </a:lvl5pPr>
+            <a:lvl6pPr marL="2514600" indent="-228600" algn="l" defTabSz="914400" rtl="0" eaLnBrk="1" latinLnBrk="0" hangingPunct="1">
+              <a:lnSpc>
+                <a:spcPct val="90000"/>
+              </a:lnSpc>
+              <a:spcBef>
+                <a:spcPts val="500"/>
+              </a:spcBef>
+              <a:buFont typeface="Arial" panose="020B0604020202020204" pitchFamily="34" charset="0"/>
+              <a:buChar char="•"/>
+              <a:defRPr kumimoji="1" sz="1800" kern="1200">
+                <a:solidFill>
+                  <a:schemeClr val="tx1"/>
+                </a:solidFill>
+                <a:latin typeface="+mn-lt"/>
+                <a:ea typeface="+mn-ea"/>
+                <a:cs typeface="+mn-cs"/>
+              </a:defRPr>
+            </a:lvl6pPr>
+            <a:lvl7pPr marL="2971800" indent="-228600" algn="l" defTabSz="914400" rtl="0" eaLnBrk="1" latinLnBrk="0" hangingPunct="1">
+              <a:lnSpc>
+                <a:spcPct val="90000"/>
+              </a:lnSpc>
+              <a:spcBef>
+                <a:spcPts val="500"/>
+              </a:spcBef>
+              <a:buFont typeface="Arial" panose="020B0604020202020204" pitchFamily="34" charset="0"/>
+              <a:buChar char="•"/>
+              <a:defRPr kumimoji="1" sz="1800" kern="1200">
+                <a:solidFill>
+                  <a:schemeClr val="tx1"/>
+                </a:solidFill>
+                <a:latin typeface="+mn-lt"/>
+                <a:ea typeface="+mn-ea"/>
+                <a:cs typeface="+mn-cs"/>
+              </a:defRPr>
+            </a:lvl7pPr>
+            <a:lvl8pPr marL="3429000" indent="-228600" algn="l" defTabSz="914400" rtl="0" eaLnBrk="1" latinLnBrk="0" hangingPunct="1">
+              <a:lnSpc>
+                <a:spcPct val="90000"/>
+              </a:lnSpc>
+              <a:spcBef>
+                <a:spcPts val="500"/>
+              </a:spcBef>
+              <a:buFont typeface="Arial" panose="020B0604020202020204" pitchFamily="34" charset="0"/>
+              <a:buChar char="•"/>
+              <a:defRPr kumimoji="1" sz="1800" kern="1200">
+                <a:solidFill>
+                  <a:schemeClr val="tx1"/>
+                </a:solidFill>
+                <a:latin typeface="+mn-lt"/>
+                <a:ea typeface="+mn-ea"/>
+                <a:cs typeface="+mn-cs"/>
+              </a:defRPr>
+            </a:lvl8pPr>
+            <a:lvl9pPr marL="3886200" indent="-228600" algn="l" defTabSz="914400" rtl="0" eaLnBrk="1" latinLnBrk="0" hangingPunct="1">
+              <a:lnSpc>
+                <a:spcPct val="90000"/>
+              </a:lnSpc>
+              <a:spcBef>
+                <a:spcPts val="500"/>
+              </a:spcBef>
+              <a:buFont typeface="Arial" panose="020B0604020202020204" pitchFamily="34" charset="0"/>
+              <a:buChar char="•"/>
+              <a:defRPr kumimoji="1" sz="1800" kern="1200">
+                <a:solidFill>
+                  <a:schemeClr val="tx1"/>
+                </a:solidFill>
+                <a:latin typeface="+mn-lt"/>
+                <a:ea typeface="+mn-ea"/>
+                <a:cs typeface="+mn-cs"/>
+              </a:defRPr>
+            </a:lvl9pPr>
+          </a:lstStyle>
+          <a:p>
+            <a:endParaRPr kumimoji="1" lang="ja-JP" altLang="en-US" sz="3600" dirty="0"/>
+          </a:p>
+        </p:txBody>
+      </p:sp>
+      <p:grpSp>
+        <p:nvGrpSpPr>
+          <p:cNvPr id="9" name="グループ化 8">
+            <a:extLst>
+              <a:ext uri="{FF2B5EF4-FFF2-40B4-BE49-F238E27FC236}">
+                <a16:creationId xmlns:a16="http://schemas.microsoft.com/office/drawing/2014/main" id="{E6EC43A3-1297-4584-8BA3-8F5AEC497EEE}"/>
+              </a:ext>
+            </a:extLst>
+          </p:cNvPr>
+          <p:cNvGrpSpPr/>
+          <p:nvPr/>
+        </p:nvGrpSpPr>
+        <p:grpSpPr>
+          <a:xfrm>
+            <a:off x="1103745" y="1765206"/>
+            <a:ext cx="7509164" cy="2363176"/>
+            <a:chOff x="1103745" y="1765206"/>
+            <a:chExt cx="7509164" cy="2363176"/>
+          </a:xfrm>
+        </p:grpSpPr>
+        <p:sp>
+          <p:nvSpPr>
+            <p:cNvPr id="6" name="テキスト ボックス 5">
+              <a:extLst>
+                <a:ext uri="{FF2B5EF4-FFF2-40B4-BE49-F238E27FC236}">
+                  <a16:creationId xmlns:a16="http://schemas.microsoft.com/office/drawing/2014/main" id="{6A8F7AC0-B100-4881-A19E-A490AF404A07}"/>
+                </a:ext>
+              </a:extLst>
+            </p:cNvPr>
+            <p:cNvSpPr txBox="1"/>
+            <p:nvPr/>
+          </p:nvSpPr>
+          <p:spPr>
+            <a:xfrm>
+              <a:off x="1103745" y="2578389"/>
+              <a:ext cx="7509164" cy="646331"/>
+            </a:xfrm>
+            <a:prstGeom prst="rect">
+              <a:avLst/>
+            </a:prstGeom>
+            <a:noFill/>
+          </p:spPr>
+          <p:txBody>
+            <a:bodyPr wrap="square" rtlCol="0">
+              <a:spAutoFit/>
+            </a:bodyPr>
+            <a:lstStyle/>
+            <a:p>
+              <a:r>
+                <a:rPr kumimoji="1" lang="ja-JP" altLang="en-US" sz="3600" dirty="0"/>
+                <a:t>体重を落とし、筋肉を育てる</a:t>
+              </a:r>
+              <a:endParaRPr kumimoji="1" lang="en-US" altLang="ja-JP" sz="3600" dirty="0"/>
+            </a:p>
+          </p:txBody>
+        </p:sp>
+        <p:sp>
+          <p:nvSpPr>
+            <p:cNvPr id="7" name="テキスト ボックス 6">
+              <a:extLst>
+                <a:ext uri="{FF2B5EF4-FFF2-40B4-BE49-F238E27FC236}">
+                  <a16:creationId xmlns:a16="http://schemas.microsoft.com/office/drawing/2014/main" id="{89644C73-144D-4A28-B9AE-44879DE6D601}"/>
+                </a:ext>
+              </a:extLst>
+            </p:cNvPr>
+            <p:cNvSpPr txBox="1"/>
+            <p:nvPr/>
+          </p:nvSpPr>
+          <p:spPr>
+            <a:xfrm>
+              <a:off x="1103745" y="3482051"/>
+              <a:ext cx="7509164" cy="646331"/>
+            </a:xfrm>
+            <a:prstGeom prst="rect">
+              <a:avLst/>
+            </a:prstGeom>
+            <a:noFill/>
+          </p:spPr>
+          <p:txBody>
+            <a:bodyPr wrap="square" rtlCol="0">
+              <a:spAutoFit/>
+            </a:bodyPr>
+            <a:lstStyle/>
+            <a:p>
+              <a:r>
+                <a:rPr lang="ja-JP" altLang="en-US" sz="3600" dirty="0"/>
+                <a:t>運動を促進させる環境づくり</a:t>
+              </a:r>
+              <a:endParaRPr kumimoji="1" lang="ja-JP" altLang="en-US" sz="3600" dirty="0"/>
+            </a:p>
+          </p:txBody>
+        </p:sp>
+        <p:sp>
+          <p:nvSpPr>
+            <p:cNvPr id="8" name="テキスト ボックス 7">
+              <a:extLst>
+                <a:ext uri="{FF2B5EF4-FFF2-40B4-BE49-F238E27FC236}">
+                  <a16:creationId xmlns:a16="http://schemas.microsoft.com/office/drawing/2014/main" id="{DAB2404B-9D2E-4DA2-A181-2C7FB8F1717D}"/>
+                </a:ext>
+              </a:extLst>
+            </p:cNvPr>
+            <p:cNvSpPr txBox="1"/>
+            <p:nvPr/>
+          </p:nvSpPr>
+          <p:spPr>
+            <a:xfrm>
+              <a:off x="1103745" y="1765206"/>
+              <a:ext cx="7509164" cy="646331"/>
+            </a:xfrm>
+            <a:prstGeom prst="rect">
+              <a:avLst/>
+            </a:prstGeom>
+            <a:noFill/>
+          </p:spPr>
+          <p:txBody>
+            <a:bodyPr wrap="square" rtlCol="0">
+              <a:spAutoFit/>
+            </a:bodyPr>
+            <a:lstStyle/>
+            <a:p>
+              <a:r>
+                <a:rPr kumimoji="1" lang="ja-JP" altLang="en-US" sz="3600" dirty="0"/>
+                <a:t>体調重視</a:t>
+              </a:r>
+              <a:endParaRPr kumimoji="1" lang="en-US" altLang="ja-JP" sz="3600" dirty="0"/>
+            </a:p>
+          </p:txBody>
+        </p:sp>
+      </p:grpSp>
     </p:spTree>
     <p:extLst>
       <p:ext uri="{BB962C8B-B14F-4D97-AF65-F5344CB8AC3E}">

--- a/DAMAS.pptx
+++ b/DAMAS.pptx
@@ -268,7 +268,7 @@
           <a:p>
             <a:fld id="{B3346509-EF98-41B8-B99E-AE693C831604}" type="datetimeFigureOut">
               <a:rPr kumimoji="1" lang="ja-JP" altLang="en-US" smtClean="0"/>
-              <a:t>2021/11/17</a:t>
+              <a:t>2021/11/24</a:t>
             </a:fld>
             <a:endParaRPr kumimoji="1" lang="ja-JP" altLang="en-US"/>
           </a:p>
@@ -498,7 +498,7 @@
           <a:p>
             <a:fld id="{B3346509-EF98-41B8-B99E-AE693C831604}" type="datetimeFigureOut">
               <a:rPr kumimoji="1" lang="ja-JP" altLang="en-US" smtClean="0"/>
-              <a:t>2021/11/17</a:t>
+              <a:t>2021/11/24</a:t>
             </a:fld>
             <a:endParaRPr kumimoji="1" lang="ja-JP" altLang="en-US"/>
           </a:p>
@@ -738,7 +738,7 @@
           <a:p>
             <a:fld id="{B3346509-EF98-41B8-B99E-AE693C831604}" type="datetimeFigureOut">
               <a:rPr kumimoji="1" lang="ja-JP" altLang="en-US" smtClean="0"/>
-              <a:t>2021/11/17</a:t>
+              <a:t>2021/11/24</a:t>
             </a:fld>
             <a:endParaRPr kumimoji="1" lang="ja-JP" altLang="en-US"/>
           </a:p>
@@ -968,7 +968,7 @@
           <a:p>
             <a:fld id="{B3346509-EF98-41B8-B99E-AE693C831604}" type="datetimeFigureOut">
               <a:rPr kumimoji="1" lang="ja-JP" altLang="en-US" smtClean="0"/>
-              <a:t>2021/11/17</a:t>
+              <a:t>2021/11/24</a:t>
             </a:fld>
             <a:endParaRPr kumimoji="1" lang="ja-JP" altLang="en-US"/>
           </a:p>
@@ -1243,7 +1243,7 @@
           <a:p>
             <a:fld id="{B3346509-EF98-41B8-B99E-AE693C831604}" type="datetimeFigureOut">
               <a:rPr kumimoji="1" lang="ja-JP" altLang="en-US" smtClean="0"/>
-              <a:t>2021/11/17</a:t>
+              <a:t>2021/11/24</a:t>
             </a:fld>
             <a:endParaRPr kumimoji="1" lang="ja-JP" altLang="en-US"/>
           </a:p>
@@ -1572,7 +1572,7 @@
           <a:p>
             <a:fld id="{B3346509-EF98-41B8-B99E-AE693C831604}" type="datetimeFigureOut">
               <a:rPr kumimoji="1" lang="ja-JP" altLang="en-US" smtClean="0"/>
-              <a:t>2021/11/17</a:t>
+              <a:t>2021/11/24</a:t>
             </a:fld>
             <a:endParaRPr kumimoji="1" lang="ja-JP" altLang="en-US"/>
           </a:p>
@@ -2048,7 +2048,7 @@
           <a:p>
             <a:fld id="{B3346509-EF98-41B8-B99E-AE693C831604}" type="datetimeFigureOut">
               <a:rPr kumimoji="1" lang="ja-JP" altLang="en-US" smtClean="0"/>
-              <a:t>2021/11/17</a:t>
+              <a:t>2021/11/24</a:t>
             </a:fld>
             <a:endParaRPr kumimoji="1" lang="ja-JP" altLang="en-US"/>
           </a:p>
@@ -2189,7 +2189,7 @@
           <a:p>
             <a:fld id="{B3346509-EF98-41B8-B99E-AE693C831604}" type="datetimeFigureOut">
               <a:rPr kumimoji="1" lang="ja-JP" altLang="en-US" smtClean="0"/>
-              <a:t>2021/11/17</a:t>
+              <a:t>2021/11/24</a:t>
             </a:fld>
             <a:endParaRPr kumimoji="1" lang="ja-JP" altLang="en-US"/>
           </a:p>
@@ -2302,7 +2302,7 @@
           <a:p>
             <a:fld id="{B3346509-EF98-41B8-B99E-AE693C831604}" type="datetimeFigureOut">
               <a:rPr kumimoji="1" lang="ja-JP" altLang="en-US" smtClean="0"/>
-              <a:t>2021/11/17</a:t>
+              <a:t>2021/11/24</a:t>
             </a:fld>
             <a:endParaRPr kumimoji="1" lang="ja-JP" altLang="en-US"/>
           </a:p>
@@ -2645,7 +2645,7 @@
           <a:p>
             <a:fld id="{B3346509-EF98-41B8-B99E-AE693C831604}" type="datetimeFigureOut">
               <a:rPr kumimoji="1" lang="ja-JP" altLang="en-US" smtClean="0"/>
-              <a:t>2021/11/17</a:t>
+              <a:t>2021/11/24</a:t>
             </a:fld>
             <a:endParaRPr kumimoji="1" lang="ja-JP" altLang="en-US"/>
           </a:p>
@@ -2933,7 +2933,7 @@
           <a:p>
             <a:fld id="{B3346509-EF98-41B8-B99E-AE693C831604}" type="datetimeFigureOut">
               <a:rPr kumimoji="1" lang="ja-JP" altLang="en-US" smtClean="0"/>
-              <a:t>2021/11/17</a:t>
+              <a:t>2021/11/24</a:t>
             </a:fld>
             <a:endParaRPr kumimoji="1" lang="ja-JP" altLang="en-US"/>
           </a:p>
@@ -3227,7 +3227,7 @@
           <a:p>
             <a:fld id="{B3346509-EF98-41B8-B99E-AE693C831604}" type="datetimeFigureOut">
               <a:rPr kumimoji="1" lang="ja-JP" altLang="en-US" smtClean="0"/>
-              <a:t>2021/11/17</a:t>
+              <a:t>2021/11/24</a:t>
             </a:fld>
             <a:endParaRPr kumimoji="1" lang="ja-JP" altLang="en-US"/>
           </a:p>
@@ -4348,6 +4348,254 @@
           </p:txBody>
         </p:sp>
       </p:grpSp>
+      <p:pic>
+        <p:nvPicPr>
+          <p:cNvPr id="10" name="図 9" descr="アイコン&#10;&#10;自動的に生成された説明">
+            <a:extLst>
+              <a:ext uri="{FF2B5EF4-FFF2-40B4-BE49-F238E27FC236}">
+                <a16:creationId xmlns:a16="http://schemas.microsoft.com/office/drawing/2014/main" id="{F08923C4-1F74-4C5E-B831-CD1A300A13D4}"/>
+              </a:ext>
+            </a:extLst>
+          </p:cNvPr>
+          <p:cNvPicPr>
+            <a:picLocks noChangeAspect="1"/>
+          </p:cNvPicPr>
+          <p:nvPr/>
+        </p:nvPicPr>
+        <p:blipFill>
+          <a:blip r:embed="rId2">
+            <a:biLevel thresh="75000"/>
+            <a:extLst>
+              <a:ext uri="{BEBA8EAE-BF5A-486C-A8C5-ECC9F3942E4B}">
+                <a14:imgProps xmlns:a14="http://schemas.microsoft.com/office/drawing/2010/main">
+                  <a14:imgLayer r:embed="rId3">
+                    <a14:imgEffect>
+                      <a14:backgroundRemoval t="10000" b="90000" l="10000" r="90000">
+                        <a14:foregroundMark x1="52889" y1="25778" x2="52889" y2="25778"/>
+                        <a14:foregroundMark x1="41778" y1="19111" x2="41778" y2="19111"/>
+                        <a14:foregroundMark x1="36000" y1="14667" x2="37333" y2="15111"/>
+                        <a14:foregroundMark x1="41153" y1="16665" x2="41552" y2="16914"/>
+                        <a14:foregroundMark x1="39982" y1="15933" x2="40835" y2="16466"/>
+                        <a14:foregroundMark x1="44000" y1="21690" x2="44000" y2="23111"/>
+                        <a14:backgroundMark x1="36000" y1="14667" x2="36000" y2="14667"/>
+                        <a14:backgroundMark x1="39111" y1="14222" x2="39111" y2="14222"/>
+                        <a14:backgroundMark x1="36889" y1="14667" x2="36889" y2="14667"/>
+                        <a14:backgroundMark x1="39556" y1="19111" x2="39556" y2="19111"/>
+                        <a14:backgroundMark x1="42222" y1="18667" x2="42222" y2="18667"/>
+                        <a14:backgroundMark x1="46667" y1="20444" x2="46667" y2="20444"/>
+                        <a14:backgroundMark x1="46667" y1="20000" x2="42222" y2="18222"/>
+                        <a14:backgroundMark x1="40000" y1="17778" x2="40444" y2="17778"/>
+                        <a14:backgroundMark x1="40889" y1="17778" x2="39111" y2="16889"/>
+                        <a14:backgroundMark x1="41333" y1="17778" x2="41333" y2="17778"/>
+                        <a14:backgroundMark x1="40000" y1="17333" x2="40000" y2="17333"/>
+                        <a14:backgroundMark x1="41778" y1="17778" x2="41778" y2="17778"/>
+                      </a14:backgroundRemoval>
+                    </a14:imgEffect>
+                  </a14:imgLayer>
+                </a14:imgProps>
+              </a:ext>
+              <a:ext uri="{28A0092B-C50C-407E-A947-70E740481C1C}">
+                <a14:useLocalDpi xmlns:a14="http://schemas.microsoft.com/office/drawing/2010/main" val="0"/>
+              </a:ext>
+            </a:extLst>
+          </a:blip>
+          <a:stretch>
+            <a:fillRect/>
+          </a:stretch>
+        </p:blipFill>
+        <p:spPr>
+          <a:xfrm>
+            <a:off x="0" y="1262914"/>
+            <a:ext cx="2075068" cy="2075068"/>
+          </a:xfrm>
+          <a:prstGeom prst="rect">
+            <a:avLst/>
+          </a:prstGeom>
+          <a:effectLst>
+            <a:glow rad="101600">
+              <a:schemeClr val="bg1">
+                <a:alpha val="60000"/>
+              </a:schemeClr>
+            </a:glow>
+          </a:effectLst>
+        </p:spPr>
+      </p:pic>
+      <p:pic>
+        <p:nvPicPr>
+          <p:cNvPr id="11" name="図 10" descr="アイコン&#10;&#10;自動的に生成された説明">
+            <a:extLst>
+              <a:ext uri="{FF2B5EF4-FFF2-40B4-BE49-F238E27FC236}">
+                <a16:creationId xmlns:a16="http://schemas.microsoft.com/office/drawing/2014/main" id="{A2837FEF-062F-416D-97E9-B3DED9ADD12C}"/>
+              </a:ext>
+            </a:extLst>
+          </p:cNvPr>
+          <p:cNvPicPr>
+            <a:picLocks noChangeAspect="1"/>
+          </p:cNvPicPr>
+          <p:nvPr/>
+        </p:nvPicPr>
+        <p:blipFill>
+          <a:blip r:embed="rId2">
+            <a:biLevel thresh="75000"/>
+            <a:extLst>
+              <a:ext uri="{BEBA8EAE-BF5A-486C-A8C5-ECC9F3942E4B}">
+                <a14:imgProps xmlns:a14="http://schemas.microsoft.com/office/drawing/2010/main">
+                  <a14:imgLayer r:embed="rId3">
+                    <a14:imgEffect>
+                      <a14:backgroundRemoval t="10000" b="90000" l="10000" r="90000">
+                        <a14:foregroundMark x1="52889" y1="25778" x2="52889" y2="25778"/>
+                        <a14:foregroundMark x1="41778" y1="19111" x2="41778" y2="19111"/>
+                        <a14:foregroundMark x1="36000" y1="14667" x2="37333" y2="15111"/>
+                        <a14:foregroundMark x1="41153" y1="16665" x2="41552" y2="16914"/>
+                        <a14:foregroundMark x1="39982" y1="15933" x2="40835" y2="16466"/>
+                        <a14:foregroundMark x1="44000" y1="21690" x2="44000" y2="23111"/>
+                        <a14:backgroundMark x1="36000" y1="14667" x2="36000" y2="14667"/>
+                        <a14:backgroundMark x1="39111" y1="14222" x2="39111" y2="14222"/>
+                        <a14:backgroundMark x1="36889" y1="14667" x2="36889" y2="14667"/>
+                        <a14:backgroundMark x1="39556" y1="19111" x2="39556" y2="19111"/>
+                        <a14:backgroundMark x1="42222" y1="18667" x2="42222" y2="18667"/>
+                        <a14:backgroundMark x1="46667" y1="20444" x2="46667" y2="20444"/>
+                        <a14:backgroundMark x1="46667" y1="20000" x2="42222" y2="18222"/>
+                        <a14:backgroundMark x1="40000" y1="17778" x2="40444" y2="17778"/>
+                        <a14:backgroundMark x1="40889" y1="17778" x2="39111" y2="16889"/>
+                        <a14:backgroundMark x1="41333" y1="17778" x2="41333" y2="17778"/>
+                        <a14:backgroundMark x1="40000" y1="17333" x2="40000" y2="17333"/>
+                        <a14:backgroundMark x1="41778" y1="17778" x2="41778" y2="17778"/>
+                      </a14:backgroundRemoval>
+                    </a14:imgEffect>
+                  </a14:imgLayer>
+                </a14:imgProps>
+              </a:ext>
+              <a:ext uri="{28A0092B-C50C-407E-A947-70E740481C1C}">
+                <a14:useLocalDpi xmlns:a14="http://schemas.microsoft.com/office/drawing/2010/main" val="0"/>
+              </a:ext>
+            </a:extLst>
+          </a:blip>
+          <a:stretch>
+            <a:fillRect/>
+          </a:stretch>
+        </p:blipFill>
+        <p:spPr>
+          <a:xfrm>
+            <a:off x="10116932" y="1405751"/>
+            <a:ext cx="2075068" cy="2075068"/>
+          </a:xfrm>
+          <a:prstGeom prst="rect">
+            <a:avLst/>
+          </a:prstGeom>
+          <a:effectLst>
+            <a:glow rad="101600">
+              <a:schemeClr val="bg1">
+                <a:alpha val="60000"/>
+              </a:schemeClr>
+            </a:glow>
+          </a:effectLst>
+        </p:spPr>
+      </p:pic>
+      <p:pic>
+        <p:nvPicPr>
+          <p:cNvPr id="12" name="図 11" descr="アイコン&#10;&#10;自動的に生成された説明">
+            <a:extLst>
+              <a:ext uri="{FF2B5EF4-FFF2-40B4-BE49-F238E27FC236}">
+                <a16:creationId xmlns:a16="http://schemas.microsoft.com/office/drawing/2014/main" id="{4407920F-9DF0-4C46-931D-8A8B24305990}"/>
+              </a:ext>
+            </a:extLst>
+          </p:cNvPr>
+          <p:cNvPicPr>
+            <a:picLocks noChangeAspect="1"/>
+          </p:cNvPicPr>
+          <p:nvPr/>
+        </p:nvPicPr>
+        <p:blipFill>
+          <a:blip r:embed="rId4">
+            <a:extLst>
+              <a:ext uri="{BEBA8EAE-BF5A-486C-A8C5-ECC9F3942E4B}">
+                <a14:imgProps xmlns:a14="http://schemas.microsoft.com/office/drawing/2010/main">
+                  <a14:imgLayer r:embed="rId5">
+                    <a14:imgEffect>
+                      <a14:backgroundRemoval t="10000" b="90000" l="10000" r="90000"/>
+                    </a14:imgEffect>
+                  </a14:imgLayer>
+                </a14:imgProps>
+              </a:ext>
+              <a:ext uri="{28A0092B-C50C-407E-A947-70E740481C1C}">
+                <a14:useLocalDpi xmlns:a14="http://schemas.microsoft.com/office/drawing/2010/main" val="0"/>
+              </a:ext>
+            </a:extLst>
+          </a:blip>
+          <a:stretch>
+            <a:fillRect/>
+          </a:stretch>
+        </p:blipFill>
+        <p:spPr>
+          <a:xfrm>
+            <a:off x="8618402" y="4298657"/>
+            <a:ext cx="1188426" cy="1188426"/>
+          </a:xfrm>
+          <a:prstGeom prst="rect">
+            <a:avLst/>
+          </a:prstGeom>
+          <a:effectLst>
+            <a:glow rad="101600">
+              <a:schemeClr val="bg1">
+                <a:alpha val="60000"/>
+              </a:schemeClr>
+            </a:glow>
+          </a:effectLst>
+        </p:spPr>
+      </p:pic>
+      <p:pic>
+        <p:nvPicPr>
+          <p:cNvPr id="13" name="図 12" descr="アイコン&#10;&#10;自動的に生成された説明">
+            <a:extLst>
+              <a:ext uri="{FF2B5EF4-FFF2-40B4-BE49-F238E27FC236}">
+                <a16:creationId xmlns:a16="http://schemas.microsoft.com/office/drawing/2014/main" id="{65E8E543-B1AE-4A1A-A735-DFCDB9BD8C6B}"/>
+              </a:ext>
+            </a:extLst>
+          </p:cNvPr>
+          <p:cNvPicPr>
+            <a:picLocks noChangeAspect="1"/>
+          </p:cNvPicPr>
+          <p:nvPr/>
+        </p:nvPicPr>
+        <p:blipFill>
+          <a:blip r:embed="rId4">
+            <a:extLst>
+              <a:ext uri="{BEBA8EAE-BF5A-486C-A8C5-ECC9F3942E4B}">
+                <a14:imgProps xmlns:a14="http://schemas.microsoft.com/office/drawing/2010/main">
+                  <a14:imgLayer r:embed="rId5">
+                    <a14:imgEffect>
+                      <a14:backgroundRemoval t="10000" b="90000" l="10000" r="90000"/>
+                    </a14:imgEffect>
+                  </a14:imgLayer>
+                </a14:imgProps>
+              </a:ext>
+              <a:ext uri="{28A0092B-C50C-407E-A947-70E740481C1C}">
+                <a14:useLocalDpi xmlns:a14="http://schemas.microsoft.com/office/drawing/2010/main" val="0"/>
+              </a:ext>
+            </a:extLst>
+          </a:blip>
+          <a:stretch>
+            <a:fillRect/>
+          </a:stretch>
+        </p:blipFill>
+        <p:spPr>
+          <a:xfrm flipH="1">
+            <a:off x="6096499" y="4322419"/>
+            <a:ext cx="1188426" cy="1188426"/>
+          </a:xfrm>
+          <a:prstGeom prst="rect">
+            <a:avLst/>
+          </a:prstGeom>
+          <a:effectLst>
+            <a:glow rad="101600">
+              <a:schemeClr val="bg1">
+                <a:alpha val="60000"/>
+              </a:schemeClr>
+            </a:glow>
+          </a:effectLst>
+        </p:spPr>
+      </p:pic>
     </p:spTree>
     <p:extLst>
       <p:ext uri="{BB962C8B-B14F-4D97-AF65-F5344CB8AC3E}">
@@ -4394,13 +4642,28 @@
             <p:ph type="title"/>
           </p:nvPr>
         </p:nvSpPr>
-        <p:spPr/>
-        <p:txBody>
-          <a:bodyPr/>
-          <a:lstStyle/>
-          <a:p>
-            <a:r>
-              <a:rPr kumimoji="1" lang="ja-JP" altLang="en-US" dirty="0"/>
+        <p:spPr>
+          <a:xfrm>
+            <a:off x="838200" y="356371"/>
+            <a:ext cx="10515600" cy="1325563"/>
+          </a:xfrm>
+        </p:spPr>
+        <p:txBody>
+          <a:bodyPr>
+            <a:normAutofit/>
+          </a:bodyPr>
+          <a:lstStyle/>
+          <a:p>
+            <a:r>
+              <a:rPr kumimoji="1" lang="ja-JP" altLang="en-US" sz="6000" dirty="0">
+                <a:effectLst>
+                  <a:glow rad="355600">
+                    <a:schemeClr val="bg1">
+                      <a:alpha val="60000"/>
+                    </a:schemeClr>
+                  </a:glow>
+                </a:effectLst>
+              </a:rPr>
               <a:t>優位性</a:t>
             </a:r>
           </a:p>
@@ -4408,10 +4671,71 @@
       </p:sp>
       <p:sp>
         <p:nvSpPr>
-          <p:cNvPr id="4" name="コンテンツ プレースホルダー 2">
-            <a:extLst>
-              <a:ext uri="{FF2B5EF4-FFF2-40B4-BE49-F238E27FC236}">
-                <a16:creationId xmlns:a16="http://schemas.microsoft.com/office/drawing/2014/main" id="{D119DE0A-216C-4290-A7F8-E69C6EE9EBD9}"/>
+          <p:cNvPr id="29" name="四角形: 角を丸くする 28">
+            <a:extLst>
+              <a:ext uri="{FF2B5EF4-FFF2-40B4-BE49-F238E27FC236}">
+                <a16:creationId xmlns:a16="http://schemas.microsoft.com/office/drawing/2014/main" id="{6650424E-711F-4740-BADD-9FFC3ECF7096}"/>
+              </a:ext>
+            </a:extLst>
+          </p:cNvPr>
+          <p:cNvSpPr/>
+          <p:nvPr/>
+        </p:nvSpPr>
+        <p:spPr>
+          <a:xfrm>
+            <a:off x="838200" y="1978959"/>
+            <a:ext cx="11049000" cy="1168942"/>
+          </a:xfrm>
+          <a:prstGeom prst="roundRect">
+            <a:avLst/>
+          </a:prstGeom>
+          <a:solidFill>
+            <a:schemeClr val="tx1">
+              <a:alpha val="38000"/>
+            </a:schemeClr>
+          </a:solidFill>
+          <a:ln>
+            <a:noFill/>
+          </a:ln>
+          <a:effectLst>
+            <a:glow rad="381000">
+              <a:schemeClr val="bg1">
+                <a:alpha val="60000"/>
+              </a:schemeClr>
+            </a:glow>
+          </a:effectLst>
+        </p:spPr>
+        <p:style>
+          <a:lnRef idx="2">
+            <a:schemeClr val="accent1">
+              <a:shade val="50000"/>
+            </a:schemeClr>
+          </a:lnRef>
+          <a:fillRef idx="1">
+            <a:schemeClr val="accent1"/>
+          </a:fillRef>
+          <a:effectRef idx="0">
+            <a:schemeClr val="accent1"/>
+          </a:effectRef>
+          <a:fontRef idx="minor">
+            <a:schemeClr val="lt1"/>
+          </a:fontRef>
+        </p:style>
+        <p:txBody>
+          <a:bodyPr rtlCol="0" anchor="ctr"/>
+          <a:lstStyle/>
+          <a:p>
+            <a:pPr algn="ctr"/>
+            <a:endParaRPr kumimoji="1" lang="ja-JP" altLang="en-US" dirty="0"/>
+          </a:p>
+        </p:txBody>
+      </p:sp>
+      <p:sp>
+        <p:nvSpPr>
+          <p:cNvPr id="5" name="コンテンツ プレースホルダー 2">
+            <a:extLst>
+              <a:ext uri="{FF2B5EF4-FFF2-40B4-BE49-F238E27FC236}">
+                <a16:creationId xmlns:a16="http://schemas.microsoft.com/office/drawing/2014/main" id="{D0F68627-04DC-47D6-9866-37E5FE1B6245}"/>
               </a:ext>
             </a:extLst>
           </p:cNvPr>
@@ -4422,7 +4746,7 @@
         </p:nvSpPr>
         <p:spPr>
           <a:xfrm>
-            <a:off x="838200" y="3490985"/>
+            <a:off x="838200" y="2578389"/>
             <a:ext cx="10515600" cy="720797"/>
           </a:xfrm>
           <a:prstGeom prst="rect">
@@ -4598,212 +4922,16 @@
             </a:lvl9pPr>
           </a:lstStyle>
           <a:p>
-            <a:endParaRPr kumimoji="1" lang="en-US" altLang="ja-JP" sz="3600" dirty="0"/>
-          </a:p>
-        </p:txBody>
-      </p:sp>
-      <p:sp>
-        <p:nvSpPr>
-          <p:cNvPr id="5" name="コンテンツ プレースホルダー 2">
-            <a:extLst>
-              <a:ext uri="{FF2B5EF4-FFF2-40B4-BE49-F238E27FC236}">
-                <a16:creationId xmlns:a16="http://schemas.microsoft.com/office/drawing/2014/main" id="{D0F68627-04DC-47D6-9866-37E5FE1B6245}"/>
-              </a:ext>
-            </a:extLst>
-          </p:cNvPr>
-          <p:cNvSpPr txBox="1">
-            <a:spLocks/>
-          </p:cNvSpPr>
-          <p:nvPr/>
-        </p:nvSpPr>
-        <p:spPr>
-          <a:xfrm>
-            <a:off x="838200" y="2578389"/>
-            <a:ext cx="10515600" cy="720797"/>
-          </a:xfrm>
-          <a:prstGeom prst="rect">
-            <a:avLst/>
-          </a:prstGeom>
-        </p:spPr>
-        <p:txBody>
-          <a:bodyPr vert="horz" lIns="91440" tIns="45720" rIns="91440" bIns="45720" rtlCol="0">
-            <a:normAutofit/>
-          </a:bodyPr>
-          <a:lstStyle>
-            <a:lvl1pPr marL="228600" indent="-228600" algn="l" defTabSz="914400" rtl="0" eaLnBrk="1" latinLnBrk="0" hangingPunct="1">
-              <a:lnSpc>
-                <a:spcPct val="90000"/>
-              </a:lnSpc>
-              <a:spcBef>
-                <a:spcPts val="1000"/>
-              </a:spcBef>
-              <a:buFont typeface="Arial" panose="020B0604020202020204" pitchFamily="34" charset="0"/>
-              <a:buChar char="•"/>
-              <a:defRPr kumimoji="1" sz="2800" kern="1200">
-                <a:solidFill>
-                  <a:schemeClr val="tx1"/>
-                </a:solidFill>
-                <a:latin typeface="+mn-lt"/>
-                <a:ea typeface="+mn-ea"/>
-                <a:cs typeface="+mn-cs"/>
-              </a:defRPr>
-            </a:lvl1pPr>
-            <a:lvl2pPr marL="685800" indent="-228600" algn="l" defTabSz="914400" rtl="0" eaLnBrk="1" latinLnBrk="0" hangingPunct="1">
-              <a:lnSpc>
-                <a:spcPct val="90000"/>
-              </a:lnSpc>
-              <a:spcBef>
-                <a:spcPts val="500"/>
-              </a:spcBef>
-              <a:buFont typeface="Arial" panose="020B0604020202020204" pitchFamily="34" charset="0"/>
-              <a:buChar char="•"/>
-              <a:defRPr kumimoji="1" sz="2400" kern="1200">
-                <a:solidFill>
-                  <a:schemeClr val="tx1"/>
-                </a:solidFill>
-                <a:latin typeface="+mn-lt"/>
-                <a:ea typeface="+mn-ea"/>
-                <a:cs typeface="+mn-cs"/>
-              </a:defRPr>
-            </a:lvl2pPr>
-            <a:lvl3pPr marL="1143000" indent="-228600" algn="l" defTabSz="914400" rtl="0" eaLnBrk="1" latinLnBrk="0" hangingPunct="1">
-              <a:lnSpc>
-                <a:spcPct val="90000"/>
-              </a:lnSpc>
-              <a:spcBef>
-                <a:spcPts val="500"/>
-              </a:spcBef>
-              <a:buFont typeface="Arial" panose="020B0604020202020204" pitchFamily="34" charset="0"/>
-              <a:buChar char="•"/>
-              <a:defRPr kumimoji="1" sz="2000" kern="1200">
-                <a:solidFill>
-                  <a:schemeClr val="tx1"/>
-                </a:solidFill>
-                <a:latin typeface="+mn-lt"/>
-                <a:ea typeface="+mn-ea"/>
-                <a:cs typeface="+mn-cs"/>
-              </a:defRPr>
-            </a:lvl3pPr>
-            <a:lvl4pPr marL="1600200" indent="-228600" algn="l" defTabSz="914400" rtl="0" eaLnBrk="1" latinLnBrk="0" hangingPunct="1">
-              <a:lnSpc>
-                <a:spcPct val="90000"/>
-              </a:lnSpc>
-              <a:spcBef>
-                <a:spcPts val="500"/>
-              </a:spcBef>
-              <a:buFont typeface="Arial" panose="020B0604020202020204" pitchFamily="34" charset="0"/>
-              <a:buChar char="•"/>
-              <a:defRPr kumimoji="1" sz="1800" kern="1200">
-                <a:solidFill>
-                  <a:schemeClr val="tx1"/>
-                </a:solidFill>
-                <a:latin typeface="+mn-lt"/>
-                <a:ea typeface="+mn-ea"/>
-                <a:cs typeface="+mn-cs"/>
-              </a:defRPr>
-            </a:lvl4pPr>
-            <a:lvl5pPr marL="2057400" indent="-228600" algn="l" defTabSz="914400" rtl="0" eaLnBrk="1" latinLnBrk="0" hangingPunct="1">
-              <a:lnSpc>
-                <a:spcPct val="90000"/>
-              </a:lnSpc>
-              <a:spcBef>
-                <a:spcPts val="500"/>
-              </a:spcBef>
-              <a:buFont typeface="Arial" panose="020B0604020202020204" pitchFamily="34" charset="0"/>
-              <a:buChar char="•"/>
-              <a:defRPr kumimoji="1" sz="1800" kern="1200">
-                <a:solidFill>
-                  <a:schemeClr val="tx1"/>
-                </a:solidFill>
-                <a:latin typeface="+mn-lt"/>
-                <a:ea typeface="+mn-ea"/>
-                <a:cs typeface="+mn-cs"/>
-              </a:defRPr>
-            </a:lvl5pPr>
-            <a:lvl6pPr marL="2514600" indent="-228600" algn="l" defTabSz="914400" rtl="0" eaLnBrk="1" latinLnBrk="0" hangingPunct="1">
-              <a:lnSpc>
-                <a:spcPct val="90000"/>
-              </a:lnSpc>
-              <a:spcBef>
-                <a:spcPts val="500"/>
-              </a:spcBef>
-              <a:buFont typeface="Arial" panose="020B0604020202020204" pitchFamily="34" charset="0"/>
-              <a:buChar char="•"/>
-              <a:defRPr kumimoji="1" sz="1800" kern="1200">
-                <a:solidFill>
-                  <a:schemeClr val="tx1"/>
-                </a:solidFill>
-                <a:latin typeface="+mn-lt"/>
-                <a:ea typeface="+mn-ea"/>
-                <a:cs typeface="+mn-cs"/>
-              </a:defRPr>
-            </a:lvl6pPr>
-            <a:lvl7pPr marL="2971800" indent="-228600" algn="l" defTabSz="914400" rtl="0" eaLnBrk="1" latinLnBrk="0" hangingPunct="1">
-              <a:lnSpc>
-                <a:spcPct val="90000"/>
-              </a:lnSpc>
-              <a:spcBef>
-                <a:spcPts val="500"/>
-              </a:spcBef>
-              <a:buFont typeface="Arial" panose="020B0604020202020204" pitchFamily="34" charset="0"/>
-              <a:buChar char="•"/>
-              <a:defRPr kumimoji="1" sz="1800" kern="1200">
-                <a:solidFill>
-                  <a:schemeClr val="tx1"/>
-                </a:solidFill>
-                <a:latin typeface="+mn-lt"/>
-                <a:ea typeface="+mn-ea"/>
-                <a:cs typeface="+mn-cs"/>
-              </a:defRPr>
-            </a:lvl7pPr>
-            <a:lvl8pPr marL="3429000" indent="-228600" algn="l" defTabSz="914400" rtl="0" eaLnBrk="1" latinLnBrk="0" hangingPunct="1">
-              <a:lnSpc>
-                <a:spcPct val="90000"/>
-              </a:lnSpc>
-              <a:spcBef>
-                <a:spcPts val="500"/>
-              </a:spcBef>
-              <a:buFont typeface="Arial" panose="020B0604020202020204" pitchFamily="34" charset="0"/>
-              <a:buChar char="•"/>
-              <a:defRPr kumimoji="1" sz="1800" kern="1200">
-                <a:solidFill>
-                  <a:schemeClr val="tx1"/>
-                </a:solidFill>
-                <a:latin typeface="+mn-lt"/>
-                <a:ea typeface="+mn-ea"/>
-                <a:cs typeface="+mn-cs"/>
-              </a:defRPr>
-            </a:lvl8pPr>
-            <a:lvl9pPr marL="3886200" indent="-228600" algn="l" defTabSz="914400" rtl="0" eaLnBrk="1" latinLnBrk="0" hangingPunct="1">
-              <a:lnSpc>
-                <a:spcPct val="90000"/>
-              </a:lnSpc>
-              <a:spcBef>
-                <a:spcPts val="500"/>
-              </a:spcBef>
-              <a:buFont typeface="Arial" panose="020B0604020202020204" pitchFamily="34" charset="0"/>
-              <a:buChar char="•"/>
-              <a:defRPr kumimoji="1" sz="1800" kern="1200">
-                <a:solidFill>
-                  <a:schemeClr val="tx1"/>
-                </a:solidFill>
-                <a:latin typeface="+mn-lt"/>
-                <a:ea typeface="+mn-ea"/>
-                <a:cs typeface="+mn-cs"/>
-              </a:defRPr>
-            </a:lvl9pPr>
-          </a:lstStyle>
-          <a:p>
             <a:endParaRPr kumimoji="1" lang="ja-JP" altLang="en-US" sz="3600" dirty="0"/>
           </a:p>
         </p:txBody>
       </p:sp>
       <p:grpSp>
         <p:nvGrpSpPr>
-          <p:cNvPr id="9" name="グループ化 8">
-            <a:extLst>
-              <a:ext uri="{FF2B5EF4-FFF2-40B4-BE49-F238E27FC236}">
-                <a16:creationId xmlns:a16="http://schemas.microsoft.com/office/drawing/2014/main" id="{E6EC43A3-1297-4584-8BA3-8F5AEC497EEE}"/>
+          <p:cNvPr id="26" name="グループ化 25">
+            <a:extLst>
+              <a:ext uri="{FF2B5EF4-FFF2-40B4-BE49-F238E27FC236}">
+                <a16:creationId xmlns:a16="http://schemas.microsoft.com/office/drawing/2014/main" id="{2DD366E9-8F76-4EF6-B762-1E3F030DF6EE}"/>
               </a:ext>
             </a:extLst>
           </p:cNvPr>
@@ -4812,120 +4940,883 @@
         </p:nvGrpSpPr>
         <p:grpSpPr>
           <a:xfrm>
-            <a:off x="1103745" y="1765206"/>
-            <a:ext cx="7509164" cy="2363176"/>
-            <a:chOff x="1103745" y="1765206"/>
-            <a:chExt cx="7509164" cy="2363176"/>
+            <a:off x="590448" y="1072587"/>
+            <a:ext cx="10304668" cy="2075068"/>
+            <a:chOff x="733323" y="1218798"/>
+            <a:chExt cx="10304668" cy="2075068"/>
           </a:xfrm>
         </p:grpSpPr>
-        <p:sp>
-          <p:nvSpPr>
-            <p:cNvPr id="6" name="テキスト ボックス 5">
+        <p:grpSp>
+          <p:nvGrpSpPr>
+            <p:cNvPr id="25" name="グループ化 24">
               <a:extLst>
                 <a:ext uri="{FF2B5EF4-FFF2-40B4-BE49-F238E27FC236}">
-                  <a16:creationId xmlns:a16="http://schemas.microsoft.com/office/drawing/2014/main" id="{6A8F7AC0-B100-4881-A19E-A490AF404A07}"/>
+                  <a16:creationId xmlns:a16="http://schemas.microsoft.com/office/drawing/2014/main" id="{515B07DA-B737-44DB-89DC-3B36C4BF93F6}"/>
                 </a:ext>
               </a:extLst>
             </p:cNvPr>
-            <p:cNvSpPr txBox="1"/>
+            <p:cNvGrpSpPr/>
+            <p:nvPr/>
+          </p:nvGrpSpPr>
+          <p:grpSpPr>
+            <a:xfrm>
+              <a:off x="733323" y="1218798"/>
+              <a:ext cx="10304668" cy="2075068"/>
+              <a:chOff x="733323" y="1218798"/>
+              <a:chExt cx="10304668" cy="2075068"/>
+            </a:xfrm>
+          </p:grpSpPr>
+          <p:sp>
+            <p:nvSpPr>
+              <p:cNvPr id="8" name="テキスト ボックス 7">
+                <a:extLst>
+                  <a:ext uri="{FF2B5EF4-FFF2-40B4-BE49-F238E27FC236}">
+                    <a16:creationId xmlns:a16="http://schemas.microsoft.com/office/drawing/2014/main" id="{DAB2404B-9D2E-4DA2-A181-2C7FB8F1717D}"/>
+                  </a:ext>
+                </a:extLst>
+              </p:cNvPr>
+              <p:cNvSpPr txBox="1"/>
+              <p:nvPr/>
+            </p:nvSpPr>
+            <p:spPr>
+              <a:xfrm>
+                <a:off x="2808391" y="2259866"/>
+                <a:ext cx="8229600" cy="923330"/>
+              </a:xfrm>
+              <a:prstGeom prst="rect">
+                <a:avLst/>
+              </a:prstGeom>
+              <a:noFill/>
+              <a:ln>
+                <a:noFill/>
+              </a:ln>
+            </p:spPr>
+            <p:txBody>
+              <a:bodyPr wrap="square" rtlCol="0">
+                <a:spAutoFit/>
+              </a:bodyPr>
+              <a:lstStyle/>
+              <a:p>
+                <a:r>
+                  <a:rPr kumimoji="1" lang="ja-JP" altLang="en-US" sz="5400" dirty="0">
+                    <a:gradFill>
+                      <a:gsLst>
+                        <a:gs pos="100000">
+                          <a:schemeClr val="tx1"/>
+                        </a:gs>
+                        <a:gs pos="6000">
+                          <a:schemeClr val="tx1"/>
+                        </a:gs>
+                      </a:gsLst>
+                      <a:lin ang="0" scaled="0"/>
+                    </a:gradFill>
+                    <a:effectLst>
+                      <a:glow rad="558800">
+                        <a:schemeClr val="accent4">
+                          <a:lumMod val="60000"/>
+                          <a:lumOff val="40000"/>
+                          <a:alpha val="82000"/>
+                        </a:schemeClr>
+                      </a:glow>
+                    </a:effectLst>
+                  </a:rPr>
+                  <a:t>体調</a:t>
+                </a:r>
+                <a:r>
+                  <a:rPr kumimoji="1" lang="ja-JP" altLang="en-US" sz="5400" dirty="0">
+                    <a:gradFill>
+                      <a:gsLst>
+                        <a:gs pos="100000">
+                          <a:schemeClr val="tx1"/>
+                        </a:gs>
+                        <a:gs pos="6000">
+                          <a:schemeClr val="tx1"/>
+                        </a:gs>
+                      </a:gsLst>
+                      <a:lin ang="0" scaled="0"/>
+                    </a:gradFill>
+                    <a:effectLst>
+                      <a:glow rad="355600">
+                        <a:schemeClr val="bg1">
+                          <a:alpha val="70000"/>
+                        </a:schemeClr>
+                      </a:glow>
+                    </a:effectLst>
+                  </a:rPr>
+                  <a:t>重視</a:t>
+                </a:r>
+                <a:endParaRPr kumimoji="1" lang="en-US" altLang="ja-JP" sz="5400" dirty="0">
+                  <a:gradFill>
+                    <a:gsLst>
+                      <a:gs pos="100000">
+                        <a:schemeClr val="tx1"/>
+                      </a:gs>
+                      <a:gs pos="6000">
+                        <a:schemeClr val="tx1"/>
+                      </a:gs>
+                    </a:gsLst>
+                    <a:lin ang="0" scaled="0"/>
+                  </a:gradFill>
+                  <a:effectLst>
+                    <a:glow rad="355600">
+                      <a:schemeClr val="bg1">
+                        <a:alpha val="70000"/>
+                      </a:schemeClr>
+                    </a:glow>
+                  </a:effectLst>
+                </a:endParaRPr>
+              </a:p>
+            </p:txBody>
+          </p:sp>
+          <p:pic>
+            <p:nvPicPr>
+              <p:cNvPr id="18" name="図 17" descr="アイコン&#10;&#10;自動的に生成された説明">
+                <a:extLst>
+                  <a:ext uri="{FF2B5EF4-FFF2-40B4-BE49-F238E27FC236}">
+                    <a16:creationId xmlns:a16="http://schemas.microsoft.com/office/drawing/2014/main" id="{852BB67D-92C6-4A9F-880F-2ADCBDE164D5}"/>
+                  </a:ext>
+                </a:extLst>
+              </p:cNvPr>
+              <p:cNvPicPr>
+                <a:picLocks noChangeAspect="1"/>
+              </p:cNvPicPr>
+              <p:nvPr/>
+            </p:nvPicPr>
+            <p:blipFill>
+              <a:blip r:embed="rId2">
+                <a:biLevel thresh="75000"/>
+                <a:extLst>
+                  <a:ext uri="{BEBA8EAE-BF5A-486C-A8C5-ECC9F3942E4B}">
+                    <a14:imgProps xmlns:a14="http://schemas.microsoft.com/office/drawing/2010/main">
+                      <a14:imgLayer r:embed="rId3">
+                        <a14:imgEffect>
+                          <a14:backgroundRemoval t="10000" b="90000" l="10000" r="90000">
+                            <a14:foregroundMark x1="52889" y1="25778" x2="52889" y2="25778"/>
+                            <a14:foregroundMark x1="41778" y1="19111" x2="41778" y2="19111"/>
+                            <a14:foregroundMark x1="36000" y1="14667" x2="37333" y2="15111"/>
+                            <a14:foregroundMark x1="41153" y1="16665" x2="41552" y2="16914"/>
+                            <a14:foregroundMark x1="39982" y1="15933" x2="40835" y2="16466"/>
+                            <a14:foregroundMark x1="44000" y1="21690" x2="44000" y2="23111"/>
+                            <a14:backgroundMark x1="36000" y1="14667" x2="36000" y2="14667"/>
+                            <a14:backgroundMark x1="39111" y1="14222" x2="39111" y2="14222"/>
+                            <a14:backgroundMark x1="36889" y1="14667" x2="36889" y2="14667"/>
+                            <a14:backgroundMark x1="39556" y1="19111" x2="39556" y2="19111"/>
+                            <a14:backgroundMark x1="42222" y1="18667" x2="42222" y2="18667"/>
+                            <a14:backgroundMark x1="46667" y1="20444" x2="46667" y2="20444"/>
+                            <a14:backgroundMark x1="46667" y1="20000" x2="42222" y2="18222"/>
+                            <a14:backgroundMark x1="40000" y1="17778" x2="40444" y2="17778"/>
+                            <a14:backgroundMark x1="40889" y1="17778" x2="39111" y2="16889"/>
+                            <a14:backgroundMark x1="41333" y1="17778" x2="41333" y2="17778"/>
+                            <a14:backgroundMark x1="40000" y1="17333" x2="40000" y2="17333"/>
+                            <a14:backgroundMark x1="41778" y1="17778" x2="41778" y2="17778"/>
+                          </a14:backgroundRemoval>
+                        </a14:imgEffect>
+                      </a14:imgLayer>
+                    </a14:imgProps>
+                  </a:ext>
+                  <a:ext uri="{28A0092B-C50C-407E-A947-70E740481C1C}">
+                    <a14:useLocalDpi xmlns:a14="http://schemas.microsoft.com/office/drawing/2010/main" val="0"/>
+                  </a:ext>
+                </a:extLst>
+              </a:blip>
+              <a:stretch>
+                <a:fillRect/>
+              </a:stretch>
+            </p:blipFill>
+            <p:spPr>
+              <a:xfrm>
+                <a:off x="733323" y="1218798"/>
+                <a:ext cx="2075068" cy="2075068"/>
+              </a:xfrm>
+              <a:prstGeom prst="rect">
+                <a:avLst/>
+              </a:prstGeom>
+              <a:effectLst>
+                <a:glow rad="101600">
+                  <a:schemeClr val="accent4">
+                    <a:lumMod val="60000"/>
+                    <a:lumOff val="40000"/>
+                    <a:alpha val="60000"/>
+                  </a:schemeClr>
+                </a:glow>
+              </a:effectLst>
+            </p:spPr>
+          </p:pic>
+        </p:grpSp>
+        <p:sp>
+          <p:nvSpPr>
+            <p:cNvPr id="19" name="正方形/長方形 18">
+              <a:extLst>
+                <a:ext uri="{FF2B5EF4-FFF2-40B4-BE49-F238E27FC236}">
+                  <a16:creationId xmlns:a16="http://schemas.microsoft.com/office/drawing/2014/main" id="{D114620C-2635-4F72-AC9E-EC908A4BEFDE}"/>
+                </a:ext>
+              </a:extLst>
+            </p:cNvPr>
+            <p:cNvSpPr/>
             <p:nvPr/>
           </p:nvSpPr>
           <p:spPr>
             <a:xfrm>
-              <a:off x="1103745" y="2578389"/>
-              <a:ext cx="7509164" cy="646331"/>
+              <a:off x="2676395" y="3083453"/>
+              <a:ext cx="3019556" cy="45719"/>
             </a:xfrm>
             <a:prstGeom prst="rect">
               <a:avLst/>
             </a:prstGeom>
-            <a:noFill/>
+            <a:gradFill>
+              <a:gsLst>
+                <a:gs pos="51000">
+                  <a:schemeClr val="bg1">
+                    <a:alpha val="74000"/>
+                  </a:schemeClr>
+                </a:gs>
+                <a:gs pos="75000">
+                  <a:schemeClr val="tx1">
+                    <a:alpha val="28000"/>
+                  </a:schemeClr>
+                </a:gs>
+              </a:gsLst>
+              <a:lin ang="0" scaled="0"/>
+            </a:gradFill>
+            <a:ln>
+              <a:noFill/>
+            </a:ln>
+            <a:effectLst>
+              <a:glow rad="203200">
+                <a:schemeClr val="accent4">
+                  <a:lumMod val="60000"/>
+                  <a:lumOff val="40000"/>
+                  <a:alpha val="40000"/>
+                </a:schemeClr>
+              </a:glow>
+            </a:effectLst>
           </p:spPr>
+          <p:style>
+            <a:lnRef idx="2">
+              <a:schemeClr val="accent1">
+                <a:shade val="50000"/>
+              </a:schemeClr>
+            </a:lnRef>
+            <a:fillRef idx="1">
+              <a:schemeClr val="accent1"/>
+            </a:fillRef>
+            <a:effectRef idx="0">
+              <a:schemeClr val="accent1"/>
+            </a:effectRef>
+            <a:fontRef idx="minor">
+              <a:schemeClr val="lt1"/>
+            </a:fontRef>
+          </p:style>
           <p:txBody>
-            <a:bodyPr wrap="square" rtlCol="0">
-              <a:spAutoFit/>
-            </a:bodyPr>
+            <a:bodyPr rtlCol="0" anchor="ctr"/>
             <a:lstStyle/>
             <a:p>
-              <a:r>
-                <a:rPr kumimoji="1" lang="ja-JP" altLang="en-US" sz="3600" dirty="0"/>
-                <a:t>体重を落とし、筋肉を育てる</a:t>
-              </a:r>
-              <a:endParaRPr kumimoji="1" lang="en-US" altLang="ja-JP" sz="3600" dirty="0"/>
+              <a:pPr algn="ctr"/>
+              <a:endParaRPr kumimoji="1" lang="ja-JP" altLang="en-US" sz="2000" dirty="0"/>
             </a:p>
           </p:txBody>
         </p:sp>
+      </p:grpSp>
+      <p:grpSp>
+        <p:nvGrpSpPr>
+          <p:cNvPr id="33" name="グループ化 32">
+            <a:extLst>
+              <a:ext uri="{FF2B5EF4-FFF2-40B4-BE49-F238E27FC236}">
+                <a16:creationId xmlns:a16="http://schemas.microsoft.com/office/drawing/2014/main" id="{03F5CA52-998F-4E37-B59E-69B45378B6F0}"/>
+              </a:ext>
+            </a:extLst>
+          </p:cNvPr>
+          <p:cNvGrpSpPr/>
+          <p:nvPr/>
+        </p:nvGrpSpPr>
+        <p:grpSpPr>
+          <a:xfrm>
+            <a:off x="739482" y="2994725"/>
+            <a:ext cx="11300117" cy="1846852"/>
+            <a:chOff x="739482" y="2839082"/>
+            <a:chExt cx="11300117" cy="1846852"/>
+          </a:xfrm>
+        </p:grpSpPr>
         <p:sp>
           <p:nvSpPr>
-            <p:cNvPr id="7" name="テキスト ボックス 6">
+            <p:cNvPr id="30" name="四角形: 角を丸くする 29">
               <a:extLst>
                 <a:ext uri="{FF2B5EF4-FFF2-40B4-BE49-F238E27FC236}">
-                  <a16:creationId xmlns:a16="http://schemas.microsoft.com/office/drawing/2014/main" id="{89644C73-144D-4A28-B9AE-44879DE6D601}"/>
+                  <a16:creationId xmlns:a16="http://schemas.microsoft.com/office/drawing/2014/main" id="{A92E36EA-5DAA-418C-A1E7-8C7C6A1641CF}"/>
                 </a:ext>
               </a:extLst>
             </p:cNvPr>
-            <p:cNvSpPr txBox="1"/>
+            <p:cNvSpPr/>
             <p:nvPr/>
           </p:nvSpPr>
           <p:spPr>
             <a:xfrm>
-              <a:off x="1103745" y="3482051"/>
-              <a:ext cx="7509164" cy="646331"/>
+              <a:off x="823669" y="3516992"/>
+              <a:ext cx="11049000" cy="1168942"/>
             </a:xfrm>
-            <a:prstGeom prst="rect">
+            <a:prstGeom prst="roundRect">
               <a:avLst/>
             </a:prstGeom>
-            <a:noFill/>
+            <a:solidFill>
+              <a:schemeClr val="tx1">
+                <a:alpha val="38000"/>
+              </a:schemeClr>
+            </a:solidFill>
+            <a:ln>
+              <a:noFill/>
+            </a:ln>
+            <a:effectLst>
+              <a:glow rad="381000">
+                <a:schemeClr val="bg1">
+                  <a:alpha val="60000"/>
+                </a:schemeClr>
+              </a:glow>
+            </a:effectLst>
           </p:spPr>
+          <p:style>
+            <a:lnRef idx="2">
+              <a:schemeClr val="accent1">
+                <a:shade val="50000"/>
+              </a:schemeClr>
+            </a:lnRef>
+            <a:fillRef idx="1">
+              <a:schemeClr val="accent1"/>
+            </a:fillRef>
+            <a:effectRef idx="0">
+              <a:schemeClr val="accent1"/>
+            </a:effectRef>
+            <a:fontRef idx="minor">
+              <a:schemeClr val="lt1"/>
+            </a:fontRef>
+          </p:style>
           <p:txBody>
-            <a:bodyPr wrap="square" rtlCol="0">
-              <a:spAutoFit/>
-            </a:bodyPr>
+            <a:bodyPr rtlCol="0" anchor="ctr"/>
             <a:lstStyle/>
             <a:p>
-              <a:r>
-                <a:rPr lang="ja-JP" altLang="en-US" sz="3600" dirty="0"/>
-                <a:t>運動を促進させる環境づくり</a:t>
-              </a:r>
-              <a:endParaRPr kumimoji="1" lang="ja-JP" altLang="en-US" sz="3600" dirty="0"/>
+              <a:pPr algn="ctr"/>
+              <a:endParaRPr kumimoji="1" lang="ja-JP" altLang="en-US" dirty="0"/>
             </a:p>
           </p:txBody>
         </p:sp>
-        <p:sp>
-          <p:nvSpPr>
-            <p:cNvPr id="8" name="テキスト ボックス 7">
+        <p:grpSp>
+          <p:nvGrpSpPr>
+            <p:cNvPr id="27" name="グループ化 26">
               <a:extLst>
                 <a:ext uri="{FF2B5EF4-FFF2-40B4-BE49-F238E27FC236}">
-                  <a16:creationId xmlns:a16="http://schemas.microsoft.com/office/drawing/2014/main" id="{DAB2404B-9D2E-4DA2-A181-2C7FB8F1717D}"/>
+                  <a16:creationId xmlns:a16="http://schemas.microsoft.com/office/drawing/2014/main" id="{1DF25D77-772A-4810-8990-F6A037CDDBE3}"/>
                 </a:ext>
               </a:extLst>
             </p:cNvPr>
-            <p:cNvSpPr txBox="1"/>
+            <p:cNvGrpSpPr/>
+            <p:nvPr/>
+          </p:nvGrpSpPr>
+          <p:grpSpPr>
+            <a:xfrm>
+              <a:off x="739482" y="2839082"/>
+              <a:ext cx="11300117" cy="1846852"/>
+              <a:chOff x="882357" y="2865259"/>
+              <a:chExt cx="11300117" cy="1846852"/>
+            </a:xfrm>
+          </p:grpSpPr>
+          <p:sp>
+            <p:nvSpPr>
+              <p:cNvPr id="6" name="テキスト ボックス 5">
+                <a:extLst>
+                  <a:ext uri="{FF2B5EF4-FFF2-40B4-BE49-F238E27FC236}">
+                    <a16:creationId xmlns:a16="http://schemas.microsoft.com/office/drawing/2014/main" id="{6A8F7AC0-B100-4881-A19E-A490AF404A07}"/>
+                  </a:ext>
+                </a:extLst>
+              </p:cNvPr>
+              <p:cNvSpPr txBox="1"/>
+              <p:nvPr/>
+            </p:nvSpPr>
+            <p:spPr>
+              <a:xfrm>
+                <a:off x="2798865" y="3724450"/>
+                <a:ext cx="9383609" cy="923330"/>
+              </a:xfrm>
+              <a:prstGeom prst="rect">
+                <a:avLst/>
+              </a:prstGeom>
+              <a:noFill/>
+              <a:effectLst>
+                <a:glow rad="127000">
+                  <a:srgbClr val="FF7C80"/>
+                </a:glow>
+              </a:effectLst>
+            </p:spPr>
+            <p:txBody>
+              <a:bodyPr wrap="square" rtlCol="0">
+                <a:spAutoFit/>
+              </a:bodyPr>
+              <a:lstStyle/>
+              <a:p>
+                <a:r>
+                  <a:rPr kumimoji="1" lang="ja-JP" altLang="en-US" sz="5400" dirty="0">
+                    <a:effectLst>
+                      <a:glow rad="355600">
+                        <a:srgbClr val="FF5050">
+                          <a:alpha val="60000"/>
+                        </a:srgbClr>
+                      </a:glow>
+                    </a:effectLst>
+                  </a:rPr>
+                  <a:t>体重</a:t>
+                </a:r>
+                <a:r>
+                  <a:rPr kumimoji="1" lang="ja-JP" altLang="en-US" sz="5400" dirty="0">
+                    <a:effectLst>
+                      <a:glow rad="355600">
+                        <a:schemeClr val="bg1">
+                          <a:alpha val="70000"/>
+                        </a:schemeClr>
+                      </a:glow>
+                    </a:effectLst>
+                  </a:rPr>
+                  <a:t>を落とし、</a:t>
+                </a:r>
+                <a:r>
+                  <a:rPr kumimoji="1" lang="ja-JP" altLang="en-US" sz="5400" dirty="0">
+                    <a:effectLst>
+                      <a:glow rad="355600">
+                        <a:srgbClr val="FF5050">
+                          <a:alpha val="70000"/>
+                        </a:srgbClr>
+                      </a:glow>
+                    </a:effectLst>
+                  </a:rPr>
+                  <a:t>筋肉</a:t>
+                </a:r>
+                <a:r>
+                  <a:rPr kumimoji="1" lang="ja-JP" altLang="en-US" sz="5400" dirty="0">
+                    <a:effectLst>
+                      <a:glow rad="355600">
+                        <a:schemeClr val="bg1">
+                          <a:alpha val="70000"/>
+                        </a:schemeClr>
+                      </a:glow>
+                    </a:effectLst>
+                  </a:rPr>
+                  <a:t>を育てる</a:t>
+                </a:r>
+                <a:endParaRPr kumimoji="1" lang="en-US" altLang="ja-JP" sz="5400" dirty="0">
+                  <a:effectLst>
+                    <a:glow rad="355600">
+                      <a:schemeClr val="bg1">
+                        <a:alpha val="70000"/>
+                      </a:schemeClr>
+                    </a:glow>
+                  </a:effectLst>
+                </a:endParaRPr>
+              </a:p>
+            </p:txBody>
+          </p:sp>
+          <p:pic>
+            <p:nvPicPr>
+              <p:cNvPr id="16" name="図 15" descr="アイコン&#10;&#10;自動的に生成された説明">
+                <a:extLst>
+                  <a:ext uri="{FF2B5EF4-FFF2-40B4-BE49-F238E27FC236}">
+                    <a16:creationId xmlns:a16="http://schemas.microsoft.com/office/drawing/2014/main" id="{82B311E6-59DC-4614-9254-81C4E90EFD30}"/>
+                  </a:ext>
+                </a:extLst>
+              </p:cNvPr>
+              <p:cNvPicPr>
+                <a:picLocks noChangeAspect="1"/>
+              </p:cNvPicPr>
+              <p:nvPr/>
+            </p:nvPicPr>
+            <p:blipFill>
+              <a:blip r:embed="rId4">
+                <a:extLst>
+                  <a:ext uri="{BEBA8EAE-BF5A-486C-A8C5-ECC9F3942E4B}">
+                    <a14:imgProps xmlns:a14="http://schemas.microsoft.com/office/drawing/2010/main">
+                      <a14:imgLayer r:embed="rId5">
+                        <a14:imgEffect>
+                          <a14:backgroundRemoval t="10000" b="90000" l="10000" r="90000"/>
+                        </a14:imgEffect>
+                      </a14:imgLayer>
+                    </a14:imgProps>
+                  </a:ext>
+                  <a:ext uri="{28A0092B-C50C-407E-A947-70E740481C1C}">
+                    <a14:useLocalDpi xmlns:a14="http://schemas.microsoft.com/office/drawing/2010/main" val="0"/>
+                  </a:ext>
+                </a:extLst>
+              </a:blip>
+              <a:stretch>
+                <a:fillRect/>
+              </a:stretch>
+            </p:blipFill>
+            <p:spPr>
+              <a:xfrm>
+                <a:off x="882357" y="2865259"/>
+                <a:ext cx="1846852" cy="1846852"/>
+              </a:xfrm>
+              <a:prstGeom prst="rect">
+                <a:avLst/>
+              </a:prstGeom>
+              <a:effectLst>
+                <a:glow rad="101600">
+                  <a:srgbClr val="FF5050">
+                    <a:alpha val="60000"/>
+                  </a:srgbClr>
+                </a:glow>
+              </a:effectLst>
+            </p:spPr>
+          </p:pic>
+          <p:sp>
+            <p:nvSpPr>
+              <p:cNvPr id="20" name="正方形/長方形 19">
+                <a:extLst>
+                  <a:ext uri="{FF2B5EF4-FFF2-40B4-BE49-F238E27FC236}">
+                    <a16:creationId xmlns:a16="http://schemas.microsoft.com/office/drawing/2014/main" id="{664CAE09-8D47-43B9-BCF5-DB6C3401242E}"/>
+                  </a:ext>
+                </a:extLst>
+              </p:cNvPr>
+              <p:cNvSpPr/>
+              <p:nvPr/>
+            </p:nvSpPr>
+            <p:spPr>
+              <a:xfrm flipV="1">
+                <a:off x="2676394" y="4425380"/>
+                <a:ext cx="9027926" cy="45719"/>
+              </a:xfrm>
+              <a:prstGeom prst="rect">
+                <a:avLst/>
+              </a:prstGeom>
+              <a:gradFill>
+                <a:gsLst>
+                  <a:gs pos="10000">
+                    <a:schemeClr val="bg1"/>
+                  </a:gs>
+                  <a:gs pos="35000">
+                    <a:schemeClr val="tx1">
+                      <a:alpha val="28000"/>
+                    </a:schemeClr>
+                  </a:gs>
+                </a:gsLst>
+                <a:lin ang="0" scaled="0"/>
+              </a:gradFill>
+              <a:ln>
+                <a:noFill/>
+              </a:ln>
+              <a:effectLst>
+                <a:glow rad="203200">
+                  <a:srgbClr val="FF5050">
+                    <a:alpha val="40000"/>
+                  </a:srgbClr>
+                </a:glow>
+              </a:effectLst>
+            </p:spPr>
+            <p:style>
+              <a:lnRef idx="2">
+                <a:schemeClr val="accent1">
+                  <a:shade val="50000"/>
+                </a:schemeClr>
+              </a:lnRef>
+              <a:fillRef idx="1">
+                <a:schemeClr val="accent1"/>
+              </a:fillRef>
+              <a:effectRef idx="0">
+                <a:schemeClr val="accent1"/>
+              </a:effectRef>
+              <a:fontRef idx="minor">
+                <a:schemeClr val="lt1"/>
+              </a:fontRef>
+            </p:style>
+            <p:txBody>
+              <a:bodyPr rtlCol="0" anchor="ctr"/>
+              <a:lstStyle/>
+              <a:p>
+                <a:pPr algn="ctr"/>
+                <a:endParaRPr kumimoji="1" lang="ja-JP" altLang="en-US"/>
+              </a:p>
+            </p:txBody>
+          </p:sp>
+        </p:grpSp>
+      </p:grpSp>
+      <p:grpSp>
+        <p:nvGrpSpPr>
+          <p:cNvPr id="32" name="グループ化 31">
+            <a:extLst>
+              <a:ext uri="{FF2B5EF4-FFF2-40B4-BE49-F238E27FC236}">
+                <a16:creationId xmlns:a16="http://schemas.microsoft.com/office/drawing/2014/main" id="{82C57BA2-8EF6-4B9E-AE84-5BF2888F296E}"/>
+              </a:ext>
+            </a:extLst>
+          </p:cNvPr>
+          <p:cNvGrpSpPr/>
+          <p:nvPr/>
+        </p:nvGrpSpPr>
+        <p:grpSpPr>
+          <a:xfrm>
+            <a:off x="701198" y="4668240"/>
+            <a:ext cx="11586052" cy="1964318"/>
+            <a:chOff x="701198" y="4668240"/>
+            <a:chExt cx="11586052" cy="1964318"/>
+          </a:xfrm>
+        </p:grpSpPr>
+        <p:sp>
+          <p:nvSpPr>
+            <p:cNvPr id="31" name="四角形: 角を丸くする 30">
+              <a:extLst>
+                <a:ext uri="{FF2B5EF4-FFF2-40B4-BE49-F238E27FC236}">
+                  <a16:creationId xmlns:a16="http://schemas.microsoft.com/office/drawing/2014/main" id="{78750A84-857E-40FE-A667-2BF978508300}"/>
+                </a:ext>
+              </a:extLst>
+            </p:cNvPr>
+            <p:cNvSpPr/>
             <p:nvPr/>
           </p:nvSpPr>
           <p:spPr>
             <a:xfrm>
-              <a:off x="1103745" y="1765206"/>
-              <a:ext cx="7509164" cy="646331"/>
+              <a:off x="809138" y="5319407"/>
+              <a:ext cx="11049000" cy="1168942"/>
             </a:xfrm>
-            <a:prstGeom prst="rect">
+            <a:prstGeom prst="roundRect">
               <a:avLst/>
             </a:prstGeom>
-            <a:noFill/>
+            <a:solidFill>
+              <a:schemeClr val="tx1">
+                <a:alpha val="38000"/>
+              </a:schemeClr>
+            </a:solidFill>
+            <a:ln>
+              <a:noFill/>
+            </a:ln>
+            <a:effectLst>
+              <a:glow rad="381000">
+                <a:schemeClr val="bg1">
+                  <a:alpha val="60000"/>
+                </a:schemeClr>
+              </a:glow>
+            </a:effectLst>
           </p:spPr>
+          <p:style>
+            <a:lnRef idx="2">
+              <a:schemeClr val="accent1">
+                <a:shade val="50000"/>
+              </a:schemeClr>
+            </a:lnRef>
+            <a:fillRef idx="1">
+              <a:schemeClr val="accent1"/>
+            </a:fillRef>
+            <a:effectRef idx="0">
+              <a:schemeClr val="accent1"/>
+            </a:effectRef>
+            <a:fontRef idx="minor">
+              <a:schemeClr val="lt1"/>
+            </a:fontRef>
+          </p:style>
           <p:txBody>
-            <a:bodyPr wrap="square" rtlCol="0">
-              <a:spAutoFit/>
-            </a:bodyPr>
+            <a:bodyPr rtlCol="0" anchor="ctr"/>
             <a:lstStyle/>
             <a:p>
-              <a:r>
-                <a:rPr kumimoji="1" lang="ja-JP" altLang="en-US" sz="3600" dirty="0"/>
-                <a:t>体調重視</a:t>
-              </a:r>
-              <a:endParaRPr kumimoji="1" lang="en-US" altLang="ja-JP" sz="3600" dirty="0"/>
+              <a:pPr algn="ctr"/>
+              <a:endParaRPr kumimoji="1" lang="ja-JP" altLang="en-US"/>
             </a:p>
           </p:txBody>
         </p:sp>
+        <p:grpSp>
+          <p:nvGrpSpPr>
+            <p:cNvPr id="28" name="グループ化 27">
+              <a:extLst>
+                <a:ext uri="{FF2B5EF4-FFF2-40B4-BE49-F238E27FC236}">
+                  <a16:creationId xmlns:a16="http://schemas.microsoft.com/office/drawing/2014/main" id="{F933D2E5-CDEC-44EB-A1BB-7E2945AA382C}"/>
+                </a:ext>
+              </a:extLst>
+            </p:cNvPr>
+            <p:cNvGrpSpPr/>
+            <p:nvPr/>
+          </p:nvGrpSpPr>
+          <p:grpSpPr>
+            <a:xfrm>
+              <a:off x="701198" y="4668240"/>
+              <a:ext cx="11586052" cy="1964318"/>
+              <a:chOff x="844073" y="4405890"/>
+              <a:chExt cx="11586052" cy="1964318"/>
+            </a:xfrm>
+          </p:grpSpPr>
+          <p:sp>
+            <p:nvSpPr>
+              <p:cNvPr id="7" name="テキスト ボックス 6">
+                <a:extLst>
+                  <a:ext uri="{FF2B5EF4-FFF2-40B4-BE49-F238E27FC236}">
+                    <a16:creationId xmlns:a16="http://schemas.microsoft.com/office/drawing/2014/main" id="{89644C73-144D-4A28-B9AE-44879DE6D601}"/>
+                  </a:ext>
+                </a:extLst>
+              </p:cNvPr>
+              <p:cNvSpPr txBox="1"/>
+              <p:nvPr/>
+            </p:nvSpPr>
+            <p:spPr>
+              <a:xfrm>
+                <a:off x="2808391" y="5236046"/>
+                <a:ext cx="9621734" cy="923330"/>
+              </a:xfrm>
+              <a:prstGeom prst="rect">
+                <a:avLst/>
+              </a:prstGeom>
+              <a:noFill/>
+              <a:effectLst>
+                <a:glow rad="127000">
+                  <a:srgbClr val="7CEEF4"/>
+                </a:glow>
+              </a:effectLst>
+            </p:spPr>
+            <p:txBody>
+              <a:bodyPr wrap="square" rtlCol="0">
+                <a:spAutoFit/>
+              </a:bodyPr>
+              <a:lstStyle/>
+              <a:p>
+                <a:r>
+                  <a:rPr lang="ja-JP" altLang="en-US" sz="5400" dirty="0">
+                    <a:effectLst>
+                      <a:glow rad="355600">
+                        <a:srgbClr val="7CEEF4">
+                          <a:alpha val="60000"/>
+                        </a:srgbClr>
+                      </a:glow>
+                    </a:effectLst>
+                  </a:rPr>
+                  <a:t>運動</a:t>
+                </a:r>
+                <a:r>
+                  <a:rPr lang="ja-JP" altLang="en-US" sz="5400" dirty="0">
+                    <a:effectLst>
+                      <a:glow rad="355600">
+                        <a:schemeClr val="bg1">
+                          <a:alpha val="70000"/>
+                        </a:schemeClr>
+                      </a:glow>
+                    </a:effectLst>
+                  </a:rPr>
+                  <a:t>を促進させる環境づくり</a:t>
+                </a:r>
+                <a:endParaRPr kumimoji="1" lang="ja-JP" altLang="en-US" sz="5400" dirty="0">
+                  <a:effectLst>
+                    <a:glow rad="355600">
+                      <a:schemeClr val="bg1">
+                        <a:alpha val="70000"/>
+                      </a:schemeClr>
+                    </a:glow>
+                  </a:effectLst>
+                </a:endParaRPr>
+              </a:p>
+            </p:txBody>
+          </p:sp>
+          <p:pic>
+            <p:nvPicPr>
+              <p:cNvPr id="14" name="図 13" descr="図形&#10;&#10;低い精度で自動的に生成された説明">
+                <a:extLst>
+                  <a:ext uri="{FF2B5EF4-FFF2-40B4-BE49-F238E27FC236}">
+                    <a16:creationId xmlns:a16="http://schemas.microsoft.com/office/drawing/2014/main" id="{706AE406-D110-4B2C-BEF9-5E216ED5057D}"/>
+                  </a:ext>
+                </a:extLst>
+              </p:cNvPr>
+              <p:cNvPicPr>
+                <a:picLocks noChangeAspect="1"/>
+              </p:cNvPicPr>
+              <p:nvPr/>
+            </p:nvPicPr>
+            <p:blipFill>
+              <a:blip r:embed="rId6">
+                <a:extLst>
+                  <a:ext uri="{28A0092B-C50C-407E-A947-70E740481C1C}">
+                    <a14:useLocalDpi xmlns:a14="http://schemas.microsoft.com/office/drawing/2010/main" val="0"/>
+                  </a:ext>
+                </a:extLst>
+              </a:blip>
+              <a:stretch>
+                <a:fillRect/>
+              </a:stretch>
+            </p:blipFill>
+            <p:spPr>
+              <a:xfrm>
+                <a:off x="844073" y="4405890"/>
+                <a:ext cx="1964318" cy="1964318"/>
+              </a:xfrm>
+              <a:prstGeom prst="rect">
+                <a:avLst/>
+              </a:prstGeom>
+              <a:effectLst>
+                <a:glow rad="101600">
+                  <a:srgbClr val="7CEEF4">
+                    <a:alpha val="60000"/>
+                  </a:srgbClr>
+                </a:glow>
+              </a:effectLst>
+            </p:spPr>
+          </p:pic>
+          <p:sp>
+            <p:nvSpPr>
+              <p:cNvPr id="21" name="正方形/長方形 20">
+                <a:extLst>
+                  <a:ext uri="{FF2B5EF4-FFF2-40B4-BE49-F238E27FC236}">
+                    <a16:creationId xmlns:a16="http://schemas.microsoft.com/office/drawing/2014/main" id="{37CB91F1-76CB-4F52-BBBE-EF5928BFE7E3}"/>
+                  </a:ext>
+                </a:extLst>
+              </p:cNvPr>
+              <p:cNvSpPr/>
+              <p:nvPr/>
+            </p:nvSpPr>
+            <p:spPr>
+              <a:xfrm flipV="1">
+                <a:off x="2676394" y="5969729"/>
+                <a:ext cx="9027926" cy="45719"/>
+              </a:xfrm>
+              <a:prstGeom prst="rect">
+                <a:avLst/>
+              </a:prstGeom>
+              <a:gradFill>
+                <a:gsLst>
+                  <a:gs pos="10000">
+                    <a:schemeClr val="bg1"/>
+                  </a:gs>
+                  <a:gs pos="72000">
+                    <a:schemeClr val="tx1">
+                      <a:alpha val="47000"/>
+                    </a:schemeClr>
+                  </a:gs>
+                </a:gsLst>
+                <a:lin ang="0" scaled="0"/>
+              </a:gradFill>
+              <a:ln>
+                <a:noFill/>
+              </a:ln>
+              <a:effectLst>
+                <a:glow rad="203200">
+                  <a:srgbClr val="7CEEF4">
+                    <a:alpha val="40000"/>
+                  </a:srgbClr>
+                </a:glow>
+              </a:effectLst>
+            </p:spPr>
+            <p:style>
+              <a:lnRef idx="2">
+                <a:schemeClr val="accent1">
+                  <a:shade val="50000"/>
+                </a:schemeClr>
+              </a:lnRef>
+              <a:fillRef idx="1">
+                <a:schemeClr val="accent1"/>
+              </a:fillRef>
+              <a:effectRef idx="0">
+                <a:schemeClr val="accent1"/>
+              </a:effectRef>
+              <a:fontRef idx="minor">
+                <a:schemeClr val="lt1"/>
+              </a:fontRef>
+            </p:style>
+            <p:txBody>
+              <a:bodyPr rtlCol="0" anchor="ctr"/>
+              <a:lstStyle/>
+              <a:p>
+                <a:pPr algn="ctr"/>
+                <a:endParaRPr kumimoji="1" lang="ja-JP" altLang="en-US" dirty="0"/>
+              </a:p>
+            </p:txBody>
+          </p:sp>
+        </p:grpSp>
       </p:grpSp>
     </p:spTree>
     <p:extLst>
